--- a/Documents/presentation doc/0516presentation.pptx
+++ b/Documents/presentation doc/0516presentation.pptx
@@ -9,8 +9,8 @@
   </p:notesMasterIdLst>
   <p:sldIdLst>
     <p:sldId id="303" r:id="rId2"/>
-    <p:sldId id="282" r:id="rId3"/>
-    <p:sldId id="304" r:id="rId4"/>
+    <p:sldId id="306" r:id="rId3"/>
+    <p:sldId id="282" r:id="rId4"/>
     <p:sldId id="305" r:id="rId5"/>
   </p:sldIdLst>
   <p:sldSz cx="9144000" cy="6858000" type="screen4x3"/>
@@ -193,14 +193,14 @@
           <a:effectLst/>
           <a:extLst>
             <a:ext uri="{909E8E84-426E-40DD-AFC4-6F175D3DCCD1}">
-              <a14:hiddenFill xmlns:a14="http://schemas.microsoft.com/office/drawing/2010/main" xmlns="">
+              <a14:hiddenFill xmlns="" xmlns:a14="http://schemas.microsoft.com/office/drawing/2010/main">
                 <a:solidFill>
                   <a:schemeClr val="accent1"/>
                 </a:solidFill>
               </a14:hiddenFill>
             </a:ext>
             <a:ext uri="{91240B29-F687-4F45-9708-019B960494DF}">
-              <a14:hiddenLine xmlns:a14="http://schemas.microsoft.com/office/drawing/2010/main" xmlns="" w="9525">
+              <a14:hiddenLine xmlns="" xmlns:a14="http://schemas.microsoft.com/office/drawing/2010/main" w="9525">
                 <a:solidFill>
                   <a:schemeClr val="tx1"/>
                 </a:solidFill>
@@ -210,7 +210,7 @@
               </a14:hiddenLine>
             </a:ext>
             <a:ext uri="{AF507438-7753-43E0-B8FC-AC1667EBCBE1}">
-              <a14:hiddenEffects xmlns:a14="http://schemas.microsoft.com/office/drawing/2010/main" xmlns="">
+              <a14:hiddenEffects xmlns="" xmlns:a14="http://schemas.microsoft.com/office/drawing/2010/main">
                 <a:effectLst>
                   <a:outerShdw dist="35921" dir="2700000" algn="ctr" rotWithShape="0">
                     <a:schemeClr val="bg2"/>
@@ -263,14 +263,14 @@
           <a:effectLst/>
           <a:extLst>
             <a:ext uri="{909E8E84-426E-40DD-AFC4-6F175D3DCCD1}">
-              <a14:hiddenFill xmlns:a14="http://schemas.microsoft.com/office/drawing/2010/main" xmlns="">
+              <a14:hiddenFill xmlns="" xmlns:a14="http://schemas.microsoft.com/office/drawing/2010/main">
                 <a:solidFill>
                   <a:schemeClr val="accent1"/>
                 </a:solidFill>
               </a14:hiddenFill>
             </a:ext>
             <a:ext uri="{91240B29-F687-4F45-9708-019B960494DF}">
-              <a14:hiddenLine xmlns:a14="http://schemas.microsoft.com/office/drawing/2010/main" xmlns="" w="9525">
+              <a14:hiddenLine xmlns="" xmlns:a14="http://schemas.microsoft.com/office/drawing/2010/main" w="9525">
                 <a:solidFill>
                   <a:schemeClr val="tx1"/>
                 </a:solidFill>
@@ -280,7 +280,7 @@
               </a14:hiddenLine>
             </a:ext>
             <a:ext uri="{AF507438-7753-43E0-B8FC-AC1667EBCBE1}">
-              <a14:hiddenEffects xmlns:a14="http://schemas.microsoft.com/office/drawing/2010/main" xmlns="">
+              <a14:hiddenEffects xmlns="" xmlns:a14="http://schemas.microsoft.com/office/drawing/2010/main">
                 <a:effectLst>
                   <a:outerShdw dist="35921" dir="2700000" algn="ctr" rotWithShape="0">
                     <a:schemeClr val="bg2"/>
@@ -338,7 +338,7 @@
           <a:effectLst/>
           <a:extLst>
             <a:ext uri="{AF507438-7753-43E0-B8FC-AC1667EBCBE1}">
-              <a14:hiddenEffects xmlns:a14="http://schemas.microsoft.com/office/drawing/2010/main" xmlns="">
+              <a14:hiddenEffects xmlns="" xmlns:a14="http://schemas.microsoft.com/office/drawing/2010/main">
                 <a:effectLst>
                   <a:outerShdw dist="35921" dir="2700000" algn="ctr" rotWithShape="0">
                     <a:srgbClr val="808080"/>
@@ -347,7 +347,7 @@
               </a14:hiddenEffects>
             </a:ext>
             <a:ext uri="{53640926-AAD7-44D8-BBD7-CCE9431645EC}">
-              <a14:shadowObscured xmlns:a14="http://schemas.microsoft.com/office/drawing/2010/main" xmlns="" val="1"/>
+              <a14:shadowObscured xmlns="" xmlns:a14="http://schemas.microsoft.com/office/drawing/2010/main" val="1"/>
             </a:ext>
           </a:extLst>
         </p:spPr>
@@ -377,14 +377,14 @@
           <a:effectLst/>
           <a:extLst>
             <a:ext uri="{909E8E84-426E-40DD-AFC4-6F175D3DCCD1}">
-              <a14:hiddenFill xmlns:a14="http://schemas.microsoft.com/office/drawing/2010/main" xmlns="">
+              <a14:hiddenFill xmlns="" xmlns:a14="http://schemas.microsoft.com/office/drawing/2010/main">
                 <a:solidFill>
                   <a:schemeClr val="accent1"/>
                 </a:solidFill>
               </a14:hiddenFill>
             </a:ext>
             <a:ext uri="{91240B29-F687-4F45-9708-019B960494DF}">
-              <a14:hiddenLine xmlns:a14="http://schemas.microsoft.com/office/drawing/2010/main" xmlns="" w="9525">
+              <a14:hiddenLine xmlns="" xmlns:a14="http://schemas.microsoft.com/office/drawing/2010/main" w="9525">
                 <a:solidFill>
                   <a:schemeClr val="tx1"/>
                 </a:solidFill>
@@ -394,7 +394,7 @@
               </a14:hiddenLine>
             </a:ext>
             <a:ext uri="{AF507438-7753-43E0-B8FC-AC1667EBCBE1}">
-              <a14:hiddenEffects xmlns:a14="http://schemas.microsoft.com/office/drawing/2010/main" xmlns="">
+              <a14:hiddenEffects xmlns="" xmlns:a14="http://schemas.microsoft.com/office/drawing/2010/main">
                 <a:effectLst>
                   <a:outerShdw dist="35921" dir="2700000" algn="ctr" rotWithShape="0">
                     <a:schemeClr val="bg2"/>
@@ -473,14 +473,14 @@
           <a:effectLst/>
           <a:extLst>
             <a:ext uri="{909E8E84-426E-40DD-AFC4-6F175D3DCCD1}">
-              <a14:hiddenFill xmlns:a14="http://schemas.microsoft.com/office/drawing/2010/main" xmlns="">
+              <a14:hiddenFill xmlns="" xmlns:a14="http://schemas.microsoft.com/office/drawing/2010/main">
                 <a:solidFill>
                   <a:schemeClr val="accent1"/>
                 </a:solidFill>
               </a14:hiddenFill>
             </a:ext>
             <a:ext uri="{91240B29-F687-4F45-9708-019B960494DF}">
-              <a14:hiddenLine xmlns:a14="http://schemas.microsoft.com/office/drawing/2010/main" xmlns="" w="9525">
+              <a14:hiddenLine xmlns="" xmlns:a14="http://schemas.microsoft.com/office/drawing/2010/main" w="9525">
                 <a:solidFill>
                   <a:schemeClr val="tx1"/>
                 </a:solidFill>
@@ -490,7 +490,7 @@
               </a14:hiddenLine>
             </a:ext>
             <a:ext uri="{AF507438-7753-43E0-B8FC-AC1667EBCBE1}">
-              <a14:hiddenEffects xmlns:a14="http://schemas.microsoft.com/office/drawing/2010/main" xmlns="">
+              <a14:hiddenEffects xmlns="" xmlns:a14="http://schemas.microsoft.com/office/drawing/2010/main">
                 <a:effectLst>
                   <a:outerShdw dist="35921" dir="2700000" algn="ctr" rotWithShape="0">
                     <a:schemeClr val="bg2"/>
@@ -543,14 +543,14 @@
           <a:effectLst/>
           <a:extLst>
             <a:ext uri="{909E8E84-426E-40DD-AFC4-6F175D3DCCD1}">
-              <a14:hiddenFill xmlns:a14="http://schemas.microsoft.com/office/drawing/2010/main" xmlns="">
+              <a14:hiddenFill xmlns="" xmlns:a14="http://schemas.microsoft.com/office/drawing/2010/main">
                 <a:solidFill>
                   <a:schemeClr val="accent1"/>
                 </a:solidFill>
               </a14:hiddenFill>
             </a:ext>
             <a:ext uri="{91240B29-F687-4F45-9708-019B960494DF}">
-              <a14:hiddenLine xmlns:a14="http://schemas.microsoft.com/office/drawing/2010/main" xmlns="" w="9525">
+              <a14:hiddenLine xmlns="" xmlns:a14="http://schemas.microsoft.com/office/drawing/2010/main" w="9525">
                 <a:solidFill>
                   <a:schemeClr val="tx1"/>
                 </a:solidFill>
@@ -560,7 +560,7 @@
               </a14:hiddenLine>
             </a:ext>
             <a:ext uri="{AF507438-7753-43E0-B8FC-AC1667EBCBE1}">
-              <a14:hiddenEffects xmlns:a14="http://schemas.microsoft.com/office/drawing/2010/main" xmlns="">
+              <a14:hiddenEffects xmlns="" xmlns:a14="http://schemas.microsoft.com/office/drawing/2010/main">
                 <a:effectLst>
                   <a:outerShdw dist="35921" dir="2700000" algn="ctr" rotWithShape="0">
                     <a:schemeClr val="bg2"/>
@@ -596,7 +596,7 @@
     </p:spTree>
     <p:extLst>
       <p:ext uri="{BB962C8B-B14F-4D97-AF65-F5344CB8AC3E}">
-        <p14:creationId xmlns:p14="http://schemas.microsoft.com/office/powerpoint/2010/main" xmlns="" val="3354467039"/>
+        <p14:creationId xmlns="" xmlns:p14="http://schemas.microsoft.com/office/powerpoint/2010/main" val="3354467039"/>
       </p:ext>
     </p:extLst>
   </p:cSld>
@@ -885,7 +885,7 @@
     </p:spTree>
     <p:extLst>
       <p:ext uri="{BB962C8B-B14F-4D97-AF65-F5344CB8AC3E}">
-        <p14:creationId xmlns:p14="http://schemas.microsoft.com/office/powerpoint/2010/main" xmlns="" val="483073219"/>
+        <p14:creationId xmlns="" xmlns:p14="http://schemas.microsoft.com/office/powerpoint/2010/main" val="483073219"/>
       </p:ext>
     </p:extLst>
   </p:cSld>
@@ -970,7 +970,7 @@
     </p:spTree>
     <p:extLst>
       <p:ext uri="{BB962C8B-B14F-4D97-AF65-F5344CB8AC3E}">
-        <p14:creationId xmlns:p14="http://schemas.microsoft.com/office/powerpoint/2010/main" xmlns="" val="483073219"/>
+        <p14:creationId xmlns="" xmlns:p14="http://schemas.microsoft.com/office/powerpoint/2010/main" val="483073219"/>
       </p:ext>
     </p:extLst>
   </p:cSld>
@@ -1055,7 +1055,7 @@
     </p:spTree>
     <p:extLst>
       <p:ext uri="{BB962C8B-B14F-4D97-AF65-F5344CB8AC3E}">
-        <p14:creationId xmlns:p14="http://schemas.microsoft.com/office/powerpoint/2010/main" xmlns="" val="483073219"/>
+        <p14:creationId xmlns="" xmlns:p14="http://schemas.microsoft.com/office/powerpoint/2010/main" val="483073219"/>
       </p:ext>
     </p:extLst>
   </p:cSld>
@@ -1111,7 +1111,7 @@
           </a:xfrm>
           <a:extLst>
             <a:ext uri="{AF507438-7753-43E0-B8FC-AC1667EBCBE1}">
-              <a14:hiddenEffects xmlns:a14="http://schemas.microsoft.com/office/drawing/2010/main" xmlns="">
+              <a14:hiddenEffects xmlns="" xmlns:a14="http://schemas.microsoft.com/office/drawing/2010/main">
                 <a:effectLst>
                   <a:outerShdw dist="17961" dir="2700000" algn="ctr" rotWithShape="0">
                     <a:schemeClr val="bg1"/>
@@ -1155,7 +1155,7 @@
           </a:xfrm>
           <a:extLst>
             <a:ext uri="{AF507438-7753-43E0-B8FC-AC1667EBCBE1}">
-              <a14:hiddenEffects xmlns:a14="http://schemas.microsoft.com/office/drawing/2010/main" xmlns="">
+              <a14:hiddenEffects xmlns="" xmlns:a14="http://schemas.microsoft.com/office/drawing/2010/main">
                 <a:effectLst>
                   <a:outerShdw dist="17961" dir="2700000" algn="ctr" rotWithShape="0">
                     <a:schemeClr val="bg1"/>
@@ -1291,7 +1291,7 @@
     </p:spTree>
     <p:extLst>
       <p:ext uri="{BB962C8B-B14F-4D97-AF65-F5344CB8AC3E}">
-        <p14:creationId xmlns:p14="http://schemas.microsoft.com/office/powerpoint/2010/main" xmlns="" val="3191849363"/>
+        <p14:creationId xmlns="" xmlns:p14="http://schemas.microsoft.com/office/powerpoint/2010/main" val="3191849363"/>
       </p:ext>
     </p:extLst>
   </p:cSld>
@@ -1406,7 +1406,7 @@
     </p:spTree>
     <p:extLst>
       <p:ext uri="{BB962C8B-B14F-4D97-AF65-F5344CB8AC3E}">
-        <p14:creationId xmlns:p14="http://schemas.microsoft.com/office/powerpoint/2010/main" xmlns="" val="1524186507"/>
+        <p14:creationId xmlns="" xmlns:p14="http://schemas.microsoft.com/office/powerpoint/2010/main" val="1524186507"/>
       </p:ext>
     </p:extLst>
   </p:cSld>
@@ -1511,7 +1511,7 @@
     </p:spTree>
     <p:extLst>
       <p:ext uri="{BB962C8B-B14F-4D97-AF65-F5344CB8AC3E}">
-        <p14:creationId xmlns:p14="http://schemas.microsoft.com/office/powerpoint/2010/main" xmlns="" val="3261712152"/>
+        <p14:creationId xmlns="" xmlns:p14="http://schemas.microsoft.com/office/powerpoint/2010/main" val="3261712152"/>
       </p:ext>
     </p:extLst>
   </p:cSld>
@@ -1638,7 +1638,7 @@
     </p:spTree>
     <p:extLst>
       <p:ext uri="{BB962C8B-B14F-4D97-AF65-F5344CB8AC3E}">
-        <p14:creationId xmlns:p14="http://schemas.microsoft.com/office/powerpoint/2010/main" xmlns="" val="346190723"/>
+        <p14:creationId xmlns="" xmlns:p14="http://schemas.microsoft.com/office/powerpoint/2010/main" val="346190723"/>
       </p:ext>
     </p:extLst>
   </p:cSld>
@@ -1861,7 +1861,7 @@
     </p:spTree>
     <p:extLst>
       <p:ext uri="{BB962C8B-B14F-4D97-AF65-F5344CB8AC3E}">
-        <p14:creationId xmlns:p14="http://schemas.microsoft.com/office/powerpoint/2010/main" xmlns="" val="4255224362"/>
+        <p14:creationId xmlns="" xmlns:p14="http://schemas.microsoft.com/office/powerpoint/2010/main" val="4255224362"/>
       </p:ext>
     </p:extLst>
   </p:cSld>
@@ -2223,7 +2223,7 @@
     </p:spTree>
     <p:extLst>
       <p:ext uri="{BB962C8B-B14F-4D97-AF65-F5344CB8AC3E}">
-        <p14:creationId xmlns:p14="http://schemas.microsoft.com/office/powerpoint/2010/main" xmlns="" val="234523478"/>
+        <p14:creationId xmlns="" xmlns:p14="http://schemas.microsoft.com/office/powerpoint/2010/main" val="234523478"/>
       </p:ext>
     </p:extLst>
   </p:cSld>
@@ -2276,7 +2276,7 @@
     </p:spTree>
     <p:extLst>
       <p:ext uri="{BB962C8B-B14F-4D97-AF65-F5344CB8AC3E}">
-        <p14:creationId xmlns:p14="http://schemas.microsoft.com/office/powerpoint/2010/main" xmlns="" val="4170126094"/>
+        <p14:creationId xmlns="" xmlns:p14="http://schemas.microsoft.com/office/powerpoint/2010/main" val="4170126094"/>
       </p:ext>
     </p:extLst>
   </p:cSld>
@@ -2306,7 +2306,7 @@
     </p:spTree>
     <p:extLst>
       <p:ext uri="{BB962C8B-B14F-4D97-AF65-F5344CB8AC3E}">
-        <p14:creationId xmlns:p14="http://schemas.microsoft.com/office/powerpoint/2010/main" xmlns="" val="3131819388"/>
+        <p14:creationId xmlns="" xmlns:p14="http://schemas.microsoft.com/office/powerpoint/2010/main" val="3131819388"/>
       </p:ext>
     </p:extLst>
   </p:cSld>
@@ -2518,7 +2518,7 @@
     </p:spTree>
     <p:extLst>
       <p:ext uri="{BB962C8B-B14F-4D97-AF65-F5344CB8AC3E}">
-        <p14:creationId xmlns:p14="http://schemas.microsoft.com/office/powerpoint/2010/main" xmlns="" val="1266256783"/>
+        <p14:creationId xmlns="" xmlns:p14="http://schemas.microsoft.com/office/powerpoint/2010/main" val="1266256783"/>
       </p:ext>
     </p:extLst>
   </p:cSld>
@@ -2710,7 +2710,7 @@
     </p:spTree>
     <p:extLst>
       <p:ext uri="{BB962C8B-B14F-4D97-AF65-F5344CB8AC3E}">
-        <p14:creationId xmlns:p14="http://schemas.microsoft.com/office/powerpoint/2010/main" xmlns="" val="511494401"/>
+        <p14:creationId xmlns="" xmlns:p14="http://schemas.microsoft.com/office/powerpoint/2010/main" val="511494401"/>
       </p:ext>
     </p:extLst>
   </p:cSld>
@@ -2774,14 +2774,14 @@
           <a:effectLst/>
           <a:extLst>
             <a:ext uri="{909E8E84-426E-40DD-AFC4-6F175D3DCCD1}">
-              <a14:hiddenFill xmlns:a14="http://schemas.microsoft.com/office/drawing/2010/main" xmlns="">
+              <a14:hiddenFill xmlns="" xmlns:a14="http://schemas.microsoft.com/office/drawing/2010/main">
                 <a:solidFill>
                   <a:schemeClr val="accent1"/>
                 </a:solidFill>
               </a14:hiddenFill>
             </a:ext>
             <a:ext uri="{91240B29-F687-4F45-9708-019B960494DF}">
-              <a14:hiddenLine xmlns:a14="http://schemas.microsoft.com/office/drawing/2010/main" xmlns="" w="9525">
+              <a14:hiddenLine xmlns="" xmlns:a14="http://schemas.microsoft.com/office/drawing/2010/main" w="9525">
                 <a:solidFill>
                   <a:schemeClr val="tx1"/>
                 </a:solidFill>
@@ -2791,7 +2791,7 @@
               </a14:hiddenLine>
             </a:ext>
             <a:ext uri="{AF507438-7753-43E0-B8FC-AC1667EBCBE1}">
-              <a14:hiddenEffects xmlns:a14="http://schemas.microsoft.com/office/drawing/2010/main" xmlns="">
+              <a14:hiddenEffects xmlns="" xmlns:a14="http://schemas.microsoft.com/office/drawing/2010/main">
                 <a:effectLst>
                   <a:outerShdw dist="35921" dir="2700000" algn="ctr" rotWithShape="0">
                     <a:schemeClr val="bg2"/>
@@ -2843,14 +2843,14 @@
           <a:effectLst/>
           <a:extLst>
             <a:ext uri="{909E8E84-426E-40DD-AFC4-6F175D3DCCD1}">
-              <a14:hiddenFill xmlns:a14="http://schemas.microsoft.com/office/drawing/2010/main" xmlns="">
+              <a14:hiddenFill xmlns="" xmlns:a14="http://schemas.microsoft.com/office/drawing/2010/main">
                 <a:solidFill>
                   <a:schemeClr val="accent1"/>
                 </a:solidFill>
               </a14:hiddenFill>
             </a:ext>
             <a:ext uri="{91240B29-F687-4F45-9708-019B960494DF}">
-              <a14:hiddenLine xmlns:a14="http://schemas.microsoft.com/office/drawing/2010/main" xmlns="" w="9525">
+              <a14:hiddenLine xmlns="" xmlns:a14="http://schemas.microsoft.com/office/drawing/2010/main" w="9525">
                 <a:solidFill>
                   <a:schemeClr val="tx1"/>
                 </a:solidFill>
@@ -2860,7 +2860,7 @@
               </a14:hiddenLine>
             </a:ext>
             <a:ext uri="{AF507438-7753-43E0-B8FC-AC1667EBCBE1}">
-              <a14:hiddenEffects xmlns:a14="http://schemas.microsoft.com/office/drawing/2010/main" xmlns="">
+              <a14:hiddenEffects xmlns="" xmlns:a14="http://schemas.microsoft.com/office/drawing/2010/main">
                 <a:effectLst>
                   <a:outerShdw dist="35921" dir="2700000" algn="ctr" rotWithShape="0">
                     <a:schemeClr val="bg2"/>
@@ -3453,7 +3453,7 @@
           <p:nvPr>
             <p:extLst>
               <p:ext uri="{D42A27DB-BD31-4B8C-83A1-F6EECF244321}">
-                <p14:modId xmlns:p14="http://schemas.microsoft.com/office/powerpoint/2010/main" xmlns="" val="3019215210"/>
+                <p14:modId xmlns="" xmlns:p14="http://schemas.microsoft.com/office/powerpoint/2010/main" val="3019215210"/>
               </p:ext>
             </p:extLst>
           </p:nvPr>
@@ -4162,7 +4162,7 @@
     </p:spTree>
     <p:extLst>
       <p:ext uri="{BB962C8B-B14F-4D97-AF65-F5344CB8AC3E}">
-        <p14:creationId xmlns:p14="http://schemas.microsoft.com/office/powerpoint/2010/main" xmlns="" val="3872289296"/>
+        <p14:creationId xmlns="" xmlns:p14="http://schemas.microsoft.com/office/powerpoint/2010/main" val="3872289296"/>
       </p:ext>
     </p:extLst>
   </p:cSld>
@@ -4220,27 +4220,7 @@
                 <a:latin typeface="HY동녘M" pitchFamily="18" charset="-127"/>
                 <a:ea typeface="HY동녘M" pitchFamily="18" charset="-127"/>
               </a:rPr>
-              <a:t>프로젝트 </a:t>
-            </a:r>
-            <a:r>
-              <a:rPr lang="ko-KR" altLang="en-US" sz="5400" spc="600" dirty="0" smtClean="0">
-                <a:solidFill>
-                  <a:srgbClr val="000000"/>
-                </a:solidFill>
-                <a:latin typeface="HY동녘M" pitchFamily="18" charset="-127"/>
-                <a:ea typeface="HY동녘M" pitchFamily="18" charset="-127"/>
-              </a:rPr>
-              <a:t>진행상</a:t>
-            </a:r>
-            <a:r>
-              <a:rPr lang="ko-KR" altLang="en-US" sz="5400" spc="600" dirty="0" smtClean="0">
-                <a:solidFill>
-                  <a:srgbClr val="000000"/>
-                </a:solidFill>
-                <a:latin typeface="HY동녘M" pitchFamily="18" charset="-127"/>
-                <a:ea typeface="HY동녘M" pitchFamily="18" charset="-127"/>
-              </a:rPr>
-              <a:t>황</a:t>
+              <a:t>프로젝트 진행상황</a:t>
             </a:r>
             <a:endParaRPr lang="ko-KR" altLang="en-US" sz="5400" dirty="0">
               <a:solidFill>
@@ -4299,9 +4279,39 @@
                 <a:latin typeface="HY동녘M" pitchFamily="18" charset="-127"/>
                 <a:ea typeface="HY동녘M" pitchFamily="18" charset="-127"/>
               </a:rPr>
-              <a:t> 인식 진행 상황</a:t>
-            </a:r>
-            <a:endParaRPr lang="en-US" altLang="ko-KR" dirty="0" smtClean="0">
+              <a:t> 인식 진행 </a:t>
+            </a:r>
+            <a:r>
+              <a:rPr lang="ko-KR" altLang="en-US" dirty="0" smtClean="0">
+                <a:solidFill>
+                  <a:srgbClr val="000000"/>
+                </a:solidFill>
+                <a:latin typeface="HY동녘M" pitchFamily="18" charset="-127"/>
+                <a:ea typeface="HY동녘M" pitchFamily="18" charset="-127"/>
+              </a:rPr>
+              <a:t>상</a:t>
+            </a:r>
+            <a:r>
+              <a:rPr lang="ko-KR" altLang="en-US" dirty="0" smtClean="0">
+                <a:solidFill>
+                  <a:srgbClr val="000000"/>
+                </a:solidFill>
+                <a:latin typeface="HY동녘M" pitchFamily="18" charset="-127"/>
+                <a:ea typeface="HY동녘M" pitchFamily="18" charset="-127"/>
+              </a:rPr>
+              <a:t>황</a:t>
+            </a:r>
+            <a:r>
+              <a:rPr lang="en-US" altLang="ko-KR" dirty="0" smtClean="0">
+                <a:solidFill>
+                  <a:srgbClr val="000000"/>
+                </a:solidFill>
+                <a:latin typeface="HY동녘M" pitchFamily="18" charset="-127"/>
+                <a:ea typeface="HY동녘M" pitchFamily="18" charset="-127"/>
+              </a:rPr>
+              <a:t> </a:t>
+            </a:r>
+            <a:endParaRPr lang="en-US" altLang="ko-KR" sz="2400" dirty="0" smtClean="0">
               <a:solidFill>
                 <a:srgbClr val="000000"/>
               </a:solidFill>
@@ -4311,142 +4321,8 @@
           </a:p>
           <a:p>
             <a:pPr marL="400050">
-              <a:buNone/>
-            </a:pPr>
-            <a:r>
-              <a:rPr lang="en-US" altLang="ko-KR" dirty="0" smtClean="0">
-                <a:solidFill>
-                  <a:srgbClr val="000000"/>
-                </a:solidFill>
-                <a:latin typeface="HY동녘M" pitchFamily="18" charset="-127"/>
-                <a:ea typeface="HY동녘M" pitchFamily="18" charset="-127"/>
-              </a:rPr>
-              <a:t> </a:t>
-            </a:r>
-            <a:r>
-              <a:rPr lang="en-US" altLang="ko-KR" sz="2400" dirty="0" smtClean="0">
-                <a:solidFill>
-                  <a:srgbClr val="000000"/>
-                </a:solidFill>
-                <a:latin typeface="HY동녘M" pitchFamily="18" charset="-127"/>
-                <a:ea typeface="HY동녘M" pitchFamily="18" charset="-127"/>
-              </a:rPr>
-              <a:t>- USB/IP</a:t>
-            </a:r>
-            <a:r>
-              <a:rPr lang="ko-KR" altLang="en-US" sz="2400" dirty="0" smtClean="0">
-                <a:solidFill>
-                  <a:srgbClr val="000000"/>
-                </a:solidFill>
-                <a:latin typeface="HY동녘M" pitchFamily="18" charset="-127"/>
-                <a:ea typeface="HY동녘M" pitchFamily="18" charset="-127"/>
-              </a:rPr>
-              <a:t>의 소스를 수정하여 </a:t>
-            </a:r>
-            <a:r>
-              <a:rPr lang="ko-KR" altLang="en-US" sz="2400" dirty="0" smtClean="0">
-                <a:solidFill>
-                  <a:srgbClr val="000000"/>
-                </a:solidFill>
-                <a:latin typeface="HY동녘M" pitchFamily="18" charset="-127"/>
-                <a:ea typeface="HY동녘M" pitchFamily="18" charset="-127"/>
-              </a:rPr>
-              <a:t>임의의 마우스 정보</a:t>
-            </a:r>
-            <a:r>
-              <a:rPr lang="en-US" altLang="ko-KR" sz="2400" dirty="0" smtClean="0">
-                <a:solidFill>
-                  <a:srgbClr val="000000"/>
-                </a:solidFill>
-                <a:latin typeface="HY동녘M" pitchFamily="18" charset="-127"/>
-                <a:ea typeface="HY동녘M" pitchFamily="18" charset="-127"/>
-              </a:rPr>
-              <a:t>(</a:t>
-            </a:r>
-            <a:r>
-              <a:rPr lang="ko-KR" altLang="en-US" sz="2400" dirty="0" err="1" smtClean="0">
-                <a:solidFill>
-                  <a:srgbClr val="000000"/>
-                </a:solidFill>
-                <a:latin typeface="HY동녘M" pitchFamily="18" charset="-127"/>
-                <a:ea typeface="HY동녘M" pitchFamily="18" charset="-127"/>
-              </a:rPr>
-              <a:t>디스크립터</a:t>
-            </a:r>
-            <a:r>
-              <a:rPr lang="en-US" altLang="ko-KR" sz="2400" dirty="0" smtClean="0">
-                <a:solidFill>
-                  <a:srgbClr val="000000"/>
-                </a:solidFill>
-                <a:latin typeface="HY동녘M" pitchFamily="18" charset="-127"/>
-                <a:ea typeface="HY동녘M" pitchFamily="18" charset="-127"/>
-              </a:rPr>
-              <a:t>, </a:t>
-            </a:r>
-            <a:r>
-              <a:rPr lang="ko-KR" altLang="en-US" sz="2400" dirty="0" smtClean="0">
-                <a:solidFill>
-                  <a:srgbClr val="000000"/>
-                </a:solidFill>
-                <a:latin typeface="HY동녘M" pitchFamily="18" charset="-127"/>
-                <a:ea typeface="HY동녘M" pitchFamily="18" charset="-127"/>
-              </a:rPr>
-              <a:t>속도 등등</a:t>
-            </a:r>
-            <a:r>
-              <a:rPr lang="en-US" altLang="ko-KR" sz="2400" dirty="0" smtClean="0">
-                <a:solidFill>
-                  <a:srgbClr val="000000"/>
-                </a:solidFill>
-                <a:latin typeface="HY동녘M" pitchFamily="18" charset="-127"/>
-                <a:ea typeface="HY동녘M" pitchFamily="18" charset="-127"/>
-              </a:rPr>
-              <a:t>)</a:t>
-            </a:r>
-            <a:r>
-              <a:rPr lang="ko-KR" altLang="en-US" sz="2400" dirty="0" smtClean="0">
-                <a:solidFill>
-                  <a:srgbClr val="000000"/>
-                </a:solidFill>
-                <a:latin typeface="HY동녘M" pitchFamily="18" charset="-127"/>
-                <a:ea typeface="HY동녘M" pitchFamily="18" charset="-127"/>
-              </a:rPr>
-              <a:t>를 하드코딩 하여 </a:t>
-            </a:r>
-            <a:r>
-              <a:rPr lang="en-US" altLang="ko-KR" sz="2400" dirty="0" smtClean="0">
-                <a:solidFill>
-                  <a:srgbClr val="000000"/>
-                </a:solidFill>
-                <a:latin typeface="HY동녘M" pitchFamily="18" charset="-127"/>
-                <a:ea typeface="HY동녘M" pitchFamily="18" charset="-127"/>
-              </a:rPr>
-              <a:t>USB/IP </a:t>
-            </a:r>
-            <a:r>
-              <a:rPr lang="ko-KR" altLang="en-US" sz="2400" dirty="0" smtClean="0">
-                <a:solidFill>
-                  <a:srgbClr val="000000"/>
-                </a:solidFill>
-                <a:latin typeface="HY동녘M" pitchFamily="18" charset="-127"/>
-                <a:ea typeface="HY동녘M" pitchFamily="18" charset="-127"/>
-              </a:rPr>
-              <a:t>프로그램에서 인식이 가능하도록 수정 중</a:t>
-            </a:r>
-            <a:r>
-              <a:rPr lang="en-US" altLang="ko-KR" sz="2400" dirty="0" smtClean="0">
-                <a:solidFill>
-                  <a:srgbClr val="000000"/>
-                </a:solidFill>
-                <a:latin typeface="HY동녘M" pitchFamily="18" charset="-127"/>
-                <a:ea typeface="HY동녘M" pitchFamily="18" charset="-127"/>
-              </a:rPr>
-              <a:t>.</a:t>
-            </a:r>
-          </a:p>
-          <a:p>
-            <a:pPr marL="400050">
-              <a:buNone/>
+              <a:buFontTx/>
+              <a:buChar char="-"/>
             </a:pPr>
             <a:endParaRPr lang="en-US" altLang="ko-KR" sz="2400" dirty="0" smtClean="0">
               <a:solidFill>
@@ -4462,6 +4338,16 @@
               <a:buChar char="-"/>
             </a:pPr>
             <a:r>
+              <a:rPr lang="en-US" altLang="ko-KR" sz="2400" dirty="0" smtClean="0">
+                <a:solidFill>
+                  <a:srgbClr val="000000"/>
+                </a:solidFill>
+                <a:latin typeface="HY동녘M" pitchFamily="18" charset="-127"/>
+                <a:ea typeface="HY동녘M" pitchFamily="18" charset="-127"/>
+              </a:rPr>
+              <a:t>Bind</a:t>
+            </a:r>
+            <a:r>
               <a:rPr lang="ko-KR" altLang="en-US" sz="2400" dirty="0" smtClean="0">
                 <a:solidFill>
                   <a:srgbClr val="000000"/>
@@ -4469,7 +4355,27 @@
                 <a:latin typeface="HY동녘M" pitchFamily="18" charset="-127"/>
                 <a:ea typeface="HY동녘M" pitchFamily="18" charset="-127"/>
               </a:rPr>
-              <a:t>문제점</a:t>
+              <a:t>할 때 필요한 장치정보와 실제 장치파일을 임시폴더에 복사하고 </a:t>
+            </a:r>
+            <a:r>
+              <a:rPr lang="en-US" altLang="ko-KR" sz="2400" dirty="0" smtClean="0">
+                <a:solidFill>
+                  <a:srgbClr val="000000"/>
+                </a:solidFill>
+                <a:latin typeface="HY동녘M" pitchFamily="18" charset="-127"/>
+                <a:ea typeface="HY동녘M" pitchFamily="18" charset="-127"/>
+              </a:rPr>
+              <a:t>bind </a:t>
+            </a:r>
+            <a:r>
+              <a:rPr lang="ko-KR" altLang="en-US" sz="2400" dirty="0" smtClean="0">
+                <a:solidFill>
+                  <a:srgbClr val="000000"/>
+                </a:solidFill>
+                <a:latin typeface="HY동녘M" pitchFamily="18" charset="-127"/>
+                <a:ea typeface="HY동녘M" pitchFamily="18" charset="-127"/>
+              </a:rPr>
+              <a:t>시도하는 도중 장치파일 복사에 실패</a:t>
             </a:r>
             <a:endParaRPr lang="en-US" altLang="ko-KR" sz="2400" dirty="0" smtClean="0">
               <a:solidFill>
@@ -4481,68 +4387,9 @@
           </a:p>
           <a:p>
             <a:pPr marL="400050">
-              <a:buNone/>
+              <a:buFontTx/>
+              <a:buChar char="-"/>
             </a:pPr>
-            <a:r>
-              <a:rPr lang="en-US" altLang="ko-KR" sz="2400" dirty="0" smtClean="0">
-                <a:solidFill>
-                  <a:srgbClr val="000000"/>
-                </a:solidFill>
-                <a:latin typeface="HY동녘M" pitchFamily="18" charset="-127"/>
-                <a:ea typeface="HY동녘M" pitchFamily="18" charset="-127"/>
-              </a:rPr>
-              <a:t> </a:t>
-            </a:r>
-            <a:r>
-              <a:rPr lang="en-US" altLang="ko-KR" sz="2400" dirty="0" smtClean="0">
-                <a:solidFill>
-                  <a:srgbClr val="000000"/>
-                </a:solidFill>
-                <a:latin typeface="HY동녘M" pitchFamily="18" charset="-127"/>
-                <a:ea typeface="HY동녘M" pitchFamily="18" charset="-127"/>
-              </a:rPr>
-              <a:t>  </a:t>
-            </a:r>
-            <a:r>
-              <a:rPr lang="ko-KR" altLang="en-US" sz="2400" dirty="0" smtClean="0">
-                <a:solidFill>
-                  <a:srgbClr val="000000"/>
-                </a:solidFill>
-                <a:latin typeface="HY동녘M" pitchFamily="18" charset="-127"/>
-                <a:ea typeface="HY동녘M" pitchFamily="18" charset="-127"/>
-              </a:rPr>
-              <a:t>마우스 </a:t>
-            </a:r>
-            <a:r>
-              <a:rPr lang="en-US" altLang="ko-KR" sz="2400" dirty="0" err="1" smtClean="0">
-                <a:solidFill>
-                  <a:srgbClr val="000000"/>
-                </a:solidFill>
-                <a:latin typeface="HY동녘M" pitchFamily="18" charset="-127"/>
-                <a:ea typeface="HY동녘M" pitchFamily="18" charset="-127"/>
-              </a:rPr>
-              <a:t>devnum</a:t>
-            </a:r>
-            <a:r>
-              <a:rPr lang="ko-KR" altLang="en-US" sz="2400" dirty="0" smtClean="0">
-                <a:solidFill>
-                  <a:srgbClr val="000000"/>
-                </a:solidFill>
-                <a:latin typeface="HY동녘M" pitchFamily="18" charset="-127"/>
-                <a:ea typeface="HY동녘M" pitchFamily="18" charset="-127"/>
-              </a:rPr>
-              <a:t>와 같은 번호의 마우스 캐릭터디바이스 파일이 필요한데 이 파일을 생성하거나 복사하지 못하고있음</a:t>
-            </a:r>
-            <a:r>
-              <a:rPr lang="en-US" altLang="ko-KR" sz="2400" dirty="0" smtClean="0">
-                <a:solidFill>
-                  <a:srgbClr val="000000"/>
-                </a:solidFill>
-                <a:latin typeface="HY동녘M" pitchFamily="18" charset="-127"/>
-                <a:ea typeface="HY동녘M" pitchFamily="18" charset="-127"/>
-              </a:rPr>
-              <a:t>.</a:t>
-            </a:r>
             <a:endParaRPr lang="en-US" altLang="ko-KR" sz="2400" dirty="0" smtClean="0">
               <a:solidFill>
                 <a:srgbClr val="000000"/>
@@ -4551,12 +4398,95 @@
               <a:ea typeface="HY동녘M" pitchFamily="18" charset="-127"/>
             </a:endParaRPr>
           </a:p>
+          <a:p>
+            <a:pPr marL="400050">
+              <a:buFontTx/>
+              <a:buChar char="-"/>
+            </a:pPr>
+            <a:r>
+              <a:rPr lang="ko-KR" altLang="en-US" sz="2400" dirty="0" smtClean="0">
+                <a:solidFill>
+                  <a:srgbClr val="000000"/>
+                </a:solidFill>
+                <a:latin typeface="HY동녘M" pitchFamily="18" charset="-127"/>
+                <a:ea typeface="HY동녘M" pitchFamily="18" charset="-127"/>
+              </a:rPr>
+              <a:t>장</a:t>
+            </a:r>
+            <a:r>
+              <a:rPr lang="ko-KR" altLang="en-US" sz="2400" dirty="0" smtClean="0">
+                <a:solidFill>
+                  <a:srgbClr val="000000"/>
+                </a:solidFill>
+                <a:latin typeface="HY동녘M" pitchFamily="18" charset="-127"/>
+                <a:ea typeface="HY동녘M" pitchFamily="18" charset="-127"/>
+              </a:rPr>
+              <a:t>치파일을 여는 대신 어플리케이션과 통신하도록 </a:t>
+            </a:r>
+            <a:r>
+              <a:rPr lang="en-US" altLang="ko-KR" sz="2400" dirty="0" smtClean="0">
+                <a:solidFill>
+                  <a:srgbClr val="000000"/>
+                </a:solidFill>
+                <a:latin typeface="HY동녘M" pitchFamily="18" charset="-127"/>
+                <a:ea typeface="HY동녘M" pitchFamily="18" charset="-127"/>
+              </a:rPr>
+              <a:t>Stub-Server </a:t>
+            </a:r>
+            <a:r>
+              <a:rPr lang="ko-KR" altLang="en-US" sz="2400" dirty="0" smtClean="0">
+                <a:solidFill>
+                  <a:srgbClr val="000000"/>
+                </a:solidFill>
+                <a:latin typeface="HY동녘M" pitchFamily="18" charset="-127"/>
+                <a:ea typeface="HY동녘M" pitchFamily="18" charset="-127"/>
+              </a:rPr>
+              <a:t>와 </a:t>
+            </a:r>
+            <a:r>
+              <a:rPr lang="en-US" altLang="ko-KR" sz="2400" dirty="0" smtClean="0">
+                <a:solidFill>
+                  <a:srgbClr val="000000"/>
+                </a:solidFill>
+                <a:latin typeface="HY동녘M" pitchFamily="18" charset="-127"/>
+                <a:ea typeface="HY동녘M" pitchFamily="18" charset="-127"/>
+              </a:rPr>
+              <a:t>Stub-driver </a:t>
+            </a:r>
+            <a:r>
+              <a:rPr lang="ko-KR" altLang="en-US" sz="2400" dirty="0" smtClean="0">
+                <a:solidFill>
+                  <a:srgbClr val="000000"/>
+                </a:solidFill>
+                <a:latin typeface="HY동녘M" pitchFamily="18" charset="-127"/>
+                <a:ea typeface="HY동녘M" pitchFamily="18" charset="-127"/>
+              </a:rPr>
+              <a:t>수정 필요</a:t>
+            </a:r>
+            <a:r>
+              <a:rPr lang="en-US" altLang="ko-KR" sz="2400" dirty="0" smtClean="0">
+                <a:solidFill>
+                  <a:srgbClr val="000000"/>
+                </a:solidFill>
+                <a:latin typeface="HY동녘M" pitchFamily="18" charset="-127"/>
+                <a:ea typeface="HY동녘M" pitchFamily="18" charset="-127"/>
+              </a:rPr>
+              <a:t>.</a:t>
+            </a:r>
+            <a:endParaRPr lang="en-US" altLang="ko-KR" sz="2400" dirty="0" smtClean="0">
+              <a:solidFill>
+                <a:srgbClr val="000000"/>
+              </a:solidFill>
+              <a:latin typeface="HY동녘M" pitchFamily="18" charset="-127"/>
+              <a:ea typeface="HY동녘M" pitchFamily="18" charset="-127"/>
+            </a:endParaRPr>
+          </a:p>
         </p:txBody>
       </p:sp>
     </p:spTree>
     <p:extLst>
       <p:ext uri="{BB962C8B-B14F-4D97-AF65-F5344CB8AC3E}">
-        <p14:creationId xmlns:p14="http://schemas.microsoft.com/office/powerpoint/2010/main" xmlns="" val="3723977454"/>
+        <p14:creationId xmlns="" xmlns:p14="http://schemas.microsoft.com/office/powerpoint/2010/main" val="3723977454"/>
       </p:ext>
     </p:extLst>
   </p:cSld>
@@ -4614,27 +4544,7 @@
                 <a:latin typeface="HY동녘M" pitchFamily="18" charset="-127"/>
                 <a:ea typeface="HY동녘M" pitchFamily="18" charset="-127"/>
               </a:rPr>
-              <a:t>프로젝트 </a:t>
-            </a:r>
-            <a:r>
-              <a:rPr lang="ko-KR" altLang="en-US" sz="5400" spc="600" dirty="0" smtClean="0">
-                <a:solidFill>
-                  <a:srgbClr val="000000"/>
-                </a:solidFill>
-                <a:latin typeface="HY동녘M" pitchFamily="18" charset="-127"/>
-                <a:ea typeface="HY동녘M" pitchFamily="18" charset="-127"/>
-              </a:rPr>
-              <a:t>진행상</a:t>
-            </a:r>
-            <a:r>
-              <a:rPr lang="ko-KR" altLang="en-US" sz="5400" spc="600" dirty="0" smtClean="0">
-                <a:solidFill>
-                  <a:srgbClr val="000000"/>
-                </a:solidFill>
-                <a:latin typeface="HY동녘M" pitchFamily="18" charset="-127"/>
-                <a:ea typeface="HY동녘M" pitchFamily="18" charset="-127"/>
-              </a:rPr>
-              <a:t>황</a:t>
+              <a:t>프로젝트 진행상황</a:t>
             </a:r>
             <a:endParaRPr lang="ko-KR" altLang="en-US" sz="5400" dirty="0">
               <a:solidFill>
@@ -4662,9 +4572,60 @@
           <a:lstStyle/>
           <a:p>
             <a:pPr marL="400050">
-              <a:buNone/>
+              <a:buFont typeface="+mj-lt"/>
+              <a:buAutoNum type="alphaUcPeriod"/>
             </a:pPr>
             <a:r>
+              <a:rPr lang="ko-KR" altLang="en-US" dirty="0" smtClean="0">
+                <a:solidFill>
+                  <a:srgbClr val="000000"/>
+                </a:solidFill>
+                <a:latin typeface="HY동녘M" pitchFamily="18" charset="-127"/>
+                <a:ea typeface="HY동녘M" pitchFamily="18" charset="-127"/>
+              </a:rPr>
+              <a:t>마우스 </a:t>
+            </a:r>
+            <a:r>
+              <a:rPr lang="ko-KR" altLang="en-US" dirty="0" err="1" smtClean="0">
+                <a:solidFill>
+                  <a:srgbClr val="000000"/>
+                </a:solidFill>
+                <a:latin typeface="HY동녘M" pitchFamily="18" charset="-127"/>
+                <a:ea typeface="HY동녘M" pitchFamily="18" charset="-127"/>
+              </a:rPr>
+              <a:t>앱</a:t>
+            </a:r>
+            <a:r>
+              <a:rPr lang="ko-KR" altLang="en-US" dirty="0" smtClean="0">
+                <a:solidFill>
+                  <a:srgbClr val="000000"/>
+                </a:solidFill>
+                <a:latin typeface="HY동녘M" pitchFamily="18" charset="-127"/>
+                <a:ea typeface="HY동녘M" pitchFamily="18" charset="-127"/>
+              </a:rPr>
+              <a:t> 인식 진행 </a:t>
+            </a:r>
+            <a:r>
+              <a:rPr lang="ko-KR" altLang="en-US" dirty="0" smtClean="0">
+                <a:solidFill>
+                  <a:srgbClr val="000000"/>
+                </a:solidFill>
+                <a:latin typeface="HY동녘M" pitchFamily="18" charset="-127"/>
+                <a:ea typeface="HY동녘M" pitchFamily="18" charset="-127"/>
+              </a:rPr>
+              <a:t>상</a:t>
+            </a:r>
+            <a:r>
+              <a:rPr lang="ko-KR" altLang="en-US" dirty="0" smtClean="0">
+                <a:solidFill>
+                  <a:srgbClr val="000000"/>
+                </a:solidFill>
+                <a:latin typeface="HY동녘M" pitchFamily="18" charset="-127"/>
+                <a:ea typeface="HY동녘M" pitchFamily="18" charset="-127"/>
+              </a:rPr>
+              <a:t>황</a:t>
+            </a:r>
+            <a:r>
               <a:rPr lang="en-US" altLang="ko-KR" dirty="0" smtClean="0">
                 <a:solidFill>
                   <a:srgbClr val="000000"/>
@@ -4672,62 +4633,36 @@
                 <a:latin typeface="HY동녘M" pitchFamily="18" charset="-127"/>
                 <a:ea typeface="HY동녘M" pitchFamily="18" charset="-127"/>
               </a:rPr>
-              <a:t>B. </a:t>
-            </a:r>
-            <a:r>
-              <a:rPr lang="ko-KR" altLang="en-US" dirty="0" err="1" smtClean="0">
-                <a:solidFill>
-                  <a:srgbClr val="000000"/>
-                </a:solidFill>
-                <a:latin typeface="HY동녘M" pitchFamily="18" charset="-127"/>
-                <a:ea typeface="HY동녘M" pitchFamily="18" charset="-127"/>
-              </a:rPr>
-              <a:t>오드로이드</a:t>
-            </a:r>
-            <a:r>
-              <a:rPr lang="ko-KR" altLang="en-US" dirty="0" smtClean="0">
-                <a:solidFill>
-                  <a:srgbClr val="000000"/>
-                </a:solidFill>
-                <a:latin typeface="HY동녘M" pitchFamily="18" charset="-127"/>
-                <a:ea typeface="HY동녘M" pitchFamily="18" charset="-127"/>
-              </a:rPr>
               <a:t> </a:t>
             </a:r>
-            <a:r>
-              <a:rPr lang="en-US" altLang="ko-KR" dirty="0" smtClean="0">
-                <a:solidFill>
-                  <a:srgbClr val="000000"/>
-                </a:solidFill>
-                <a:latin typeface="HY동녘M" pitchFamily="18" charset="-127"/>
-                <a:ea typeface="HY동녘M" pitchFamily="18" charset="-127"/>
-              </a:rPr>
-              <a:t>USB/IP </a:t>
-            </a:r>
-            <a:r>
-              <a:rPr lang="ko-KR" altLang="en-US" dirty="0" smtClean="0">
-                <a:solidFill>
-                  <a:srgbClr val="000000"/>
-                </a:solidFill>
-                <a:latin typeface="HY동녘M" pitchFamily="18" charset="-127"/>
-                <a:ea typeface="HY동녘M" pitchFamily="18" charset="-127"/>
-              </a:rPr>
-              <a:t>크로스 컴파일</a:t>
-            </a:r>
-            <a:endParaRPr lang="en-US" altLang="ko-KR" dirty="0" smtClean="0">
-              <a:solidFill>
-                <a:srgbClr val="000000"/>
-              </a:solidFill>
-              <a:latin typeface="HY동녘M" pitchFamily="18" charset="-127"/>
-              <a:ea typeface="HY동녘M" pitchFamily="18" charset="-127"/>
-            </a:endParaRPr>
           </a:p>
           <a:p>
             <a:pPr marL="400050">
-              <a:buNone/>
+              <a:buFontTx/>
+              <a:buChar char="-"/>
             </a:pPr>
             <a:r>
-              <a:rPr lang="en-US" altLang="ko-KR" dirty="0" smtClean="0">
+              <a:rPr lang="ko-KR" altLang="en-US" sz="2400" dirty="0" smtClean="0">
+                <a:solidFill>
+                  <a:srgbClr val="000000"/>
+                </a:solidFill>
+                <a:latin typeface="HY동녘M" pitchFamily="18" charset="-127"/>
+                <a:ea typeface="HY동녘M" pitchFamily="18" charset="-127"/>
+              </a:rPr>
+              <a:t>마우스 </a:t>
+            </a:r>
+            <a:r>
+              <a:rPr lang="ko-KR" altLang="en-US" sz="2400" dirty="0" err="1" smtClean="0">
+                <a:solidFill>
+                  <a:srgbClr val="000000"/>
+                </a:solidFill>
+                <a:latin typeface="HY동녘M" pitchFamily="18" charset="-127"/>
+                <a:ea typeface="HY동녘M" pitchFamily="18" charset="-127"/>
+              </a:rPr>
+              <a:t>앱을</a:t>
+            </a:r>
+            <a:r>
+              <a:rPr lang="ko-KR" altLang="en-US" sz="2400" dirty="0" smtClean="0">
                 <a:solidFill>
                   <a:srgbClr val="000000"/>
                 </a:solidFill>
@@ -4737,6 +4672,26 @@
               <a:t> </a:t>
             </a:r>
             <a:r>
+              <a:rPr lang="ko-KR" altLang="en-US" sz="2400" dirty="0" err="1" smtClean="0">
+                <a:solidFill>
+                  <a:srgbClr val="000000"/>
+                </a:solidFill>
+                <a:latin typeface="HY동녘M" pitchFamily="18" charset="-127"/>
+                <a:ea typeface="HY동녘M" pitchFamily="18" charset="-127"/>
+              </a:rPr>
+              <a:t>안드로이드에</a:t>
+            </a:r>
+            <a:r>
+              <a:rPr lang="ko-KR" altLang="en-US" sz="2400" dirty="0" smtClean="0">
+                <a:solidFill>
+                  <a:srgbClr val="000000"/>
+                </a:solidFill>
+                <a:latin typeface="HY동녘M" pitchFamily="18" charset="-127"/>
+                <a:ea typeface="HY동녘M" pitchFamily="18" charset="-127"/>
+              </a:rPr>
+              <a:t> </a:t>
+            </a:r>
+            <a:r>
               <a:rPr lang="en-US" altLang="ko-KR" sz="2400" dirty="0" smtClean="0">
                 <a:solidFill>
                   <a:srgbClr val="000000"/>
@@ -4744,7 +4699,7 @@
                 <a:latin typeface="HY동녘M" pitchFamily="18" charset="-127"/>
                 <a:ea typeface="HY동녘M" pitchFamily="18" charset="-127"/>
               </a:rPr>
-              <a:t>- USB/IP</a:t>
+              <a:t>USB </a:t>
             </a:r>
             <a:r>
               <a:rPr lang="ko-KR" altLang="en-US" sz="2400" dirty="0" smtClean="0">
@@ -4754,7 +4709,17 @@
                 <a:latin typeface="HY동녘M" pitchFamily="18" charset="-127"/>
                 <a:ea typeface="HY동녘M" pitchFamily="18" charset="-127"/>
               </a:rPr>
-              <a:t>의 소스를 수정하여 </a:t>
+              <a:t>장치로 </a:t>
+            </a:r>
+            <a:r>
+              <a:rPr lang="en-US" altLang="ko-KR" sz="2400" dirty="0" smtClean="0">
+                <a:solidFill>
+                  <a:srgbClr val="000000"/>
+                </a:solidFill>
+                <a:latin typeface="HY동녘M" pitchFamily="18" charset="-127"/>
+                <a:ea typeface="HY동녘M" pitchFamily="18" charset="-127"/>
+              </a:rPr>
+              <a:t>import </a:t>
             </a:r>
             <a:r>
               <a:rPr lang="ko-KR" altLang="en-US" sz="2400" dirty="0" smtClean="0">
@@ -4764,7 +4729,7 @@
                 <a:latin typeface="HY동녘M" pitchFamily="18" charset="-127"/>
                 <a:ea typeface="HY동녘M" pitchFamily="18" charset="-127"/>
               </a:rPr>
-              <a:t>임의의 마우스 정보</a:t>
+              <a:t>한 후에 </a:t>
             </a:r>
             <a:r>
               <a:rPr lang="en-US" altLang="ko-KR" sz="2400" dirty="0" smtClean="0">
@@ -4774,17 +4739,17 @@
                 <a:latin typeface="HY동녘M" pitchFamily="18" charset="-127"/>
                 <a:ea typeface="HY동녘M" pitchFamily="18" charset="-127"/>
               </a:rPr>
-              <a:t>(</a:t>
-            </a:r>
-            <a:r>
-              <a:rPr lang="ko-KR" altLang="en-US" sz="2400" dirty="0" err="1" smtClean="0">
-                <a:solidFill>
-                  <a:srgbClr val="000000"/>
-                </a:solidFill>
-                <a:latin typeface="HY동녘M" pitchFamily="18" charset="-127"/>
-                <a:ea typeface="HY동녘M" pitchFamily="18" charset="-127"/>
-              </a:rPr>
-              <a:t>디스크립터</a:t>
+              <a:t>export – bind </a:t>
+            </a:r>
+            <a:r>
+              <a:rPr lang="ko-KR" altLang="en-US" sz="2400" dirty="0" smtClean="0">
+                <a:solidFill>
+                  <a:srgbClr val="000000"/>
+                </a:solidFill>
+                <a:latin typeface="HY동녘M" pitchFamily="18" charset="-127"/>
+                <a:ea typeface="HY동녘M" pitchFamily="18" charset="-127"/>
+              </a:rPr>
+              <a:t>하려던 것에서 바로 </a:t>
             </a:r>
             <a:r>
               <a:rPr lang="en-US" altLang="ko-KR" sz="2400" dirty="0" smtClean="0">
@@ -4794,7 +4759,7 @@
                 <a:latin typeface="HY동녘M" pitchFamily="18" charset="-127"/>
                 <a:ea typeface="HY동녘M" pitchFamily="18" charset="-127"/>
               </a:rPr>
-              <a:t>, </a:t>
+              <a:t>Stub-driver</a:t>
             </a:r>
             <a:r>
               <a:rPr lang="ko-KR" altLang="en-US" sz="2400" dirty="0" smtClean="0">
@@ -4804,7 +4769,7 @@
                 <a:latin typeface="HY동녘M" pitchFamily="18" charset="-127"/>
                 <a:ea typeface="HY동녘M" pitchFamily="18" charset="-127"/>
               </a:rPr>
-              <a:t>속도 등등</a:t>
+              <a:t>에서 직접 </a:t>
             </a:r>
             <a:r>
               <a:rPr lang="en-US" altLang="ko-KR" sz="2400" dirty="0" smtClean="0">
@@ -4814,7 +4779,7 @@
                 <a:latin typeface="HY동녘M" pitchFamily="18" charset="-127"/>
                 <a:ea typeface="HY동녘M" pitchFamily="18" charset="-127"/>
               </a:rPr>
-              <a:t>)</a:t>
+              <a:t>USB</a:t>
             </a:r>
             <a:r>
               <a:rPr lang="ko-KR" altLang="en-US" sz="2400" dirty="0" smtClean="0">
@@ -4824,7 +4789,7 @@
                 <a:latin typeface="HY동녘M" pitchFamily="18" charset="-127"/>
                 <a:ea typeface="HY동녘M" pitchFamily="18" charset="-127"/>
               </a:rPr>
-              <a:t>를 하드코딩 하여 </a:t>
+              <a:t>마우스 정보를 넘기는 것으로 방향을 바꿈</a:t>
             </a:r>
             <a:r>
               <a:rPr lang="en-US" altLang="ko-KR" sz="2400" dirty="0" smtClean="0">
@@ -4834,32 +4799,13 @@
                 <a:latin typeface="HY동녘M" pitchFamily="18" charset="-127"/>
                 <a:ea typeface="HY동녘M" pitchFamily="18" charset="-127"/>
               </a:rPr>
-              <a:t>USB/IP </a:t>
-            </a:r>
-            <a:r>
-              <a:rPr lang="ko-KR" altLang="en-US" sz="2400" dirty="0" smtClean="0">
-                <a:solidFill>
-                  <a:srgbClr val="000000"/>
-                </a:solidFill>
-                <a:latin typeface="HY동녘M" pitchFamily="18" charset="-127"/>
-                <a:ea typeface="HY동녘M" pitchFamily="18" charset="-127"/>
-              </a:rPr>
-              <a:t>프로그램에서 인식이 가능하도록 수정 중</a:t>
-            </a:r>
-            <a:r>
-              <a:rPr lang="en-US" altLang="ko-KR" sz="2400" dirty="0" smtClean="0">
-                <a:solidFill>
-                  <a:srgbClr val="000000"/>
-                </a:solidFill>
-                <a:latin typeface="HY동녘M" pitchFamily="18" charset="-127"/>
-                <a:ea typeface="HY동녘M" pitchFamily="18" charset="-127"/>
-              </a:rPr>
               <a:t>.</a:t>
             </a:r>
           </a:p>
           <a:p>
             <a:pPr marL="400050">
-              <a:buNone/>
+              <a:buFontTx/>
+              <a:buChar char="-"/>
             </a:pPr>
             <a:endParaRPr lang="en-US" altLang="ko-KR" sz="2400" dirty="0" smtClean="0">
               <a:solidFill>
@@ -4875,6 +4821,16 @@
               <a:buChar char="-"/>
             </a:pPr>
             <a:r>
+              <a:rPr lang="en-US" altLang="ko-KR" sz="2400" dirty="0" smtClean="0">
+                <a:solidFill>
+                  <a:srgbClr val="000000"/>
+                </a:solidFill>
+                <a:latin typeface="HY동녘M" pitchFamily="18" charset="-127"/>
+                <a:ea typeface="HY동녘M" pitchFamily="18" charset="-127"/>
+              </a:rPr>
+              <a:t>USB </a:t>
+            </a:r>
+            <a:r>
               <a:rPr lang="ko-KR" altLang="en-US" sz="2400" dirty="0" smtClean="0">
                 <a:solidFill>
                   <a:srgbClr val="000000"/>
@@ -4882,7 +4838,157 @@
                 <a:latin typeface="HY동녘M" pitchFamily="18" charset="-127"/>
                 <a:ea typeface="HY동녘M" pitchFamily="18" charset="-127"/>
               </a:rPr>
-              <a:t>문제점</a:t>
+              <a:t>마우스정보</a:t>
+            </a:r>
+            <a:r>
+              <a:rPr lang="en-US" altLang="ko-KR" sz="2400" dirty="0" smtClean="0">
+                <a:solidFill>
+                  <a:srgbClr val="000000"/>
+                </a:solidFill>
+                <a:latin typeface="HY동녘M" pitchFamily="18" charset="-127"/>
+                <a:ea typeface="HY동녘M" pitchFamily="18" charset="-127"/>
+              </a:rPr>
+              <a:t>(</a:t>
+            </a:r>
+            <a:r>
+              <a:rPr lang="ko-KR" altLang="en-US" sz="2400" dirty="0" err="1" smtClean="0">
+                <a:solidFill>
+                  <a:srgbClr val="000000"/>
+                </a:solidFill>
+                <a:latin typeface="HY동녘M" pitchFamily="18" charset="-127"/>
+                <a:ea typeface="HY동녘M" pitchFamily="18" charset="-127"/>
+              </a:rPr>
+              <a:t>디스크립터</a:t>
+            </a:r>
+            <a:r>
+              <a:rPr lang="en-US" altLang="ko-KR" sz="2400" dirty="0" smtClean="0">
+                <a:solidFill>
+                  <a:srgbClr val="000000"/>
+                </a:solidFill>
+                <a:latin typeface="HY동녘M" pitchFamily="18" charset="-127"/>
+                <a:ea typeface="HY동녘M" pitchFamily="18" charset="-127"/>
+              </a:rPr>
+              <a:t>, </a:t>
+            </a:r>
+            <a:r>
+              <a:rPr lang="ko-KR" altLang="en-US" sz="2400" dirty="0" smtClean="0">
+                <a:solidFill>
+                  <a:srgbClr val="000000"/>
+                </a:solidFill>
+                <a:latin typeface="HY동녘M" pitchFamily="18" charset="-127"/>
+                <a:ea typeface="HY동녘M" pitchFamily="18" charset="-127"/>
+              </a:rPr>
+              <a:t>속도 </a:t>
+            </a:r>
+            <a:r>
+              <a:rPr lang="ko-KR" altLang="en-US" sz="2400" dirty="0" smtClean="0">
+                <a:solidFill>
+                  <a:srgbClr val="000000"/>
+                </a:solidFill>
+                <a:latin typeface="HY동녘M" pitchFamily="18" charset="-127"/>
+                <a:ea typeface="HY동녘M" pitchFamily="18" charset="-127"/>
+              </a:rPr>
+              <a:t>등</a:t>
+            </a:r>
+            <a:r>
+              <a:rPr lang="en-US" altLang="ko-KR" sz="2400" dirty="0" smtClean="0">
+                <a:solidFill>
+                  <a:srgbClr val="000000"/>
+                </a:solidFill>
+                <a:latin typeface="HY동녘M" pitchFamily="18" charset="-127"/>
+                <a:ea typeface="HY동녘M" pitchFamily="18" charset="-127"/>
+              </a:rPr>
+              <a:t>)</a:t>
+            </a:r>
+            <a:r>
+              <a:rPr lang="ko-KR" altLang="en-US" sz="2400" dirty="0" smtClean="0">
+                <a:solidFill>
+                  <a:srgbClr val="000000"/>
+                </a:solidFill>
+                <a:latin typeface="HY동녘M" pitchFamily="18" charset="-127"/>
+                <a:ea typeface="HY동녘M" pitchFamily="18" charset="-127"/>
+              </a:rPr>
+              <a:t>를 </a:t>
+            </a:r>
+            <a:r>
+              <a:rPr lang="ko-KR" altLang="en-US" sz="2400" dirty="0" smtClean="0">
+                <a:solidFill>
+                  <a:srgbClr val="000000"/>
+                </a:solidFill>
+                <a:latin typeface="HY동녘M" pitchFamily="18" charset="-127"/>
+                <a:ea typeface="HY동녘M" pitchFamily="18" charset="-127"/>
+              </a:rPr>
+              <a:t>하드코딩 하여 </a:t>
+            </a:r>
+            <a:r>
+              <a:rPr lang="en-US" altLang="ko-KR" sz="2400" dirty="0" smtClean="0">
+                <a:solidFill>
+                  <a:srgbClr val="000000"/>
+                </a:solidFill>
+                <a:latin typeface="HY동녘M" pitchFamily="18" charset="-127"/>
+                <a:ea typeface="HY동녘M" pitchFamily="18" charset="-127"/>
+              </a:rPr>
+              <a:t>USB/IP </a:t>
+            </a:r>
+            <a:r>
+              <a:rPr lang="ko-KR" altLang="en-US" sz="2400" dirty="0" smtClean="0">
+                <a:solidFill>
+                  <a:srgbClr val="000000"/>
+                </a:solidFill>
+                <a:latin typeface="HY동녘M" pitchFamily="18" charset="-127"/>
+                <a:ea typeface="HY동녘M" pitchFamily="18" charset="-127"/>
+              </a:rPr>
+              <a:t>프로그램에서 인식이 가능하도록 </a:t>
+            </a:r>
+            <a:r>
+              <a:rPr lang="ko-KR" altLang="en-US" sz="2400" dirty="0" smtClean="0">
+                <a:solidFill>
+                  <a:srgbClr val="000000"/>
+                </a:solidFill>
+                <a:latin typeface="HY동녘M" pitchFamily="18" charset="-127"/>
+                <a:ea typeface="HY동녘M" pitchFamily="18" charset="-127"/>
+              </a:rPr>
+              <a:t>하는 과정에서 다른 정보들은 추출이 쉬운 반면 </a:t>
+            </a:r>
+            <a:r>
+              <a:rPr lang="ko-KR" altLang="en-US" sz="2400" dirty="0" err="1" smtClean="0">
+                <a:solidFill>
+                  <a:srgbClr val="000000"/>
+                </a:solidFill>
+                <a:latin typeface="HY동녘M" pitchFamily="18" charset="-127"/>
+                <a:ea typeface="HY동녘M" pitchFamily="18" charset="-127"/>
+              </a:rPr>
+              <a:t>디스크립터</a:t>
+            </a:r>
+            <a:r>
+              <a:rPr lang="ko-KR" altLang="en-US" sz="2400" dirty="0" smtClean="0">
+                <a:solidFill>
+                  <a:srgbClr val="000000"/>
+                </a:solidFill>
+                <a:latin typeface="HY동녘M" pitchFamily="18" charset="-127"/>
+                <a:ea typeface="HY동녘M" pitchFamily="18" charset="-127"/>
+              </a:rPr>
+              <a:t> 입력된 내용이 복잡해서 </a:t>
+            </a:r>
+            <a:r>
+              <a:rPr lang="en-US" altLang="ko-KR" sz="2400" dirty="0" smtClean="0">
+                <a:solidFill>
+                  <a:srgbClr val="000000"/>
+                </a:solidFill>
+                <a:latin typeface="HY동녘M" pitchFamily="18" charset="-127"/>
+                <a:ea typeface="HY동녘M" pitchFamily="18" charset="-127"/>
+              </a:rPr>
+              <a:t>bind </a:t>
+            </a:r>
+            <a:r>
+              <a:rPr lang="ko-KR" altLang="en-US" sz="2400" dirty="0" smtClean="0">
+                <a:solidFill>
+                  <a:srgbClr val="000000"/>
+                </a:solidFill>
+                <a:latin typeface="HY동녘M" pitchFamily="18" charset="-127"/>
+                <a:ea typeface="HY동녘M" pitchFamily="18" charset="-127"/>
+              </a:rPr>
+              <a:t>하는 것으로 다시 시도</a:t>
             </a:r>
             <a:endParaRPr lang="en-US" altLang="ko-KR" sz="2400" dirty="0" smtClean="0">
               <a:solidFill>
@@ -4892,44 +4998,12 @@
               <a:ea typeface="HY동녘M" pitchFamily="18" charset="-127"/>
             </a:endParaRPr>
           </a:p>
-          <a:p>
-            <a:pPr marL="400050">
-              <a:buNone/>
-            </a:pPr>
-            <a:r>
-              <a:rPr lang="en-US" altLang="ko-KR" sz="2400" dirty="0" smtClean="0">
-                <a:solidFill>
-                  <a:srgbClr val="000000"/>
-                </a:solidFill>
-                <a:latin typeface="HY동녘M" pitchFamily="18" charset="-127"/>
-                <a:ea typeface="HY동녘M" pitchFamily="18" charset="-127"/>
-              </a:rPr>
-              <a:t> </a:t>
-            </a:r>
-            <a:r>
-              <a:rPr lang="en-US" altLang="ko-KR" sz="2400" dirty="0" smtClean="0">
-                <a:solidFill>
-                  <a:srgbClr val="000000"/>
-                </a:solidFill>
-                <a:latin typeface="HY동녘M" pitchFamily="18" charset="-127"/>
-                <a:ea typeface="HY동녘M" pitchFamily="18" charset="-127"/>
-              </a:rPr>
-              <a:t>  </a:t>
-            </a:r>
-            <a:endParaRPr lang="en-US" altLang="ko-KR" sz="2400" dirty="0" smtClean="0">
-              <a:solidFill>
-                <a:srgbClr val="000000"/>
-              </a:solidFill>
-              <a:latin typeface="HY동녘M" pitchFamily="18" charset="-127"/>
-              <a:ea typeface="HY동녘M" pitchFamily="18" charset="-127"/>
-            </a:endParaRPr>
-          </a:p>
         </p:txBody>
       </p:sp>
     </p:spTree>
     <p:extLst>
       <p:ext uri="{BB962C8B-B14F-4D97-AF65-F5344CB8AC3E}">
-        <p14:creationId xmlns:p14="http://schemas.microsoft.com/office/powerpoint/2010/main" xmlns="" val="3723977454"/>
+        <p14:creationId xmlns="" xmlns:p14="http://schemas.microsoft.com/office/powerpoint/2010/main" val="3723977454"/>
       </p:ext>
     </p:extLst>
   </p:cSld>
@@ -4987,27 +5061,7 @@
                 <a:latin typeface="HY동녘M" pitchFamily="18" charset="-127"/>
                 <a:ea typeface="HY동녘M" pitchFamily="18" charset="-127"/>
               </a:rPr>
-              <a:t>프로젝트 </a:t>
-            </a:r>
-            <a:r>
-              <a:rPr lang="ko-KR" altLang="en-US" sz="5400" spc="600" dirty="0" smtClean="0">
-                <a:solidFill>
-                  <a:srgbClr val="000000"/>
-                </a:solidFill>
-                <a:latin typeface="HY동녘M" pitchFamily="18" charset="-127"/>
-                <a:ea typeface="HY동녘M" pitchFamily="18" charset="-127"/>
-              </a:rPr>
-              <a:t>진행상</a:t>
-            </a:r>
-            <a:r>
-              <a:rPr lang="ko-KR" altLang="en-US" sz="5400" spc="600" dirty="0" smtClean="0">
-                <a:solidFill>
-                  <a:srgbClr val="000000"/>
-                </a:solidFill>
-                <a:latin typeface="HY동녘M" pitchFamily="18" charset="-127"/>
-                <a:ea typeface="HY동녘M" pitchFamily="18" charset="-127"/>
-              </a:rPr>
-              <a:t>황</a:t>
+              <a:t>프로젝트 진행상황</a:t>
             </a:r>
             <a:endParaRPr lang="ko-KR" altLang="en-US" sz="5400" dirty="0">
               <a:solidFill>
@@ -5067,6 +5121,39 @@
           </a:p>
           <a:p>
             <a:pPr marL="400050">
+              <a:buFontTx/>
+              <a:buChar char="-"/>
+            </a:pPr>
+            <a:r>
+              <a:rPr lang="en-US" altLang="ko-KR" sz="2400" dirty="0" smtClean="0">
+                <a:solidFill>
+                  <a:srgbClr val="000000"/>
+                </a:solidFill>
+                <a:latin typeface="HY동녘M" pitchFamily="18" charset="-127"/>
+                <a:ea typeface="HY동녘M" pitchFamily="18" charset="-127"/>
+              </a:rPr>
+              <a:t>Glib</a:t>
+            </a:r>
+            <a:r>
+              <a:rPr lang="ko-KR" altLang="en-US" sz="2400" dirty="0" smtClean="0">
+                <a:solidFill>
+                  <a:srgbClr val="000000"/>
+                </a:solidFill>
+                <a:latin typeface="HY동녘M" pitchFamily="18" charset="-127"/>
+                <a:ea typeface="HY동녘M" pitchFamily="18" charset="-127"/>
+              </a:rPr>
+              <a:t>에 의존적인 코드들을 옮기다가</a:t>
+            </a:r>
+            <a:endParaRPr lang="en-US" altLang="ko-KR" sz="2400" dirty="0" smtClean="0">
+              <a:solidFill>
+                <a:srgbClr val="000000"/>
+              </a:solidFill>
+              <a:latin typeface="HY동녘M" pitchFamily="18" charset="-127"/>
+              <a:ea typeface="HY동녘M" pitchFamily="18" charset="-127"/>
+            </a:endParaRPr>
+          </a:p>
+          <a:p>
+            <a:pPr marL="400050">
               <a:buNone/>
             </a:pPr>
             <a:r>
@@ -5077,7 +5164,17 @@
                 <a:latin typeface="HY동녘M" pitchFamily="18" charset="-127"/>
                 <a:ea typeface="HY동녘M" pitchFamily="18" charset="-127"/>
               </a:rPr>
-              <a:t>- USB/IP</a:t>
+              <a:t>	</a:t>
+            </a:r>
+            <a:r>
+              <a:rPr lang="en-US" altLang="ko-KR" sz="2400" dirty="0" err="1" smtClean="0">
+                <a:solidFill>
+                  <a:srgbClr val="000000"/>
+                </a:solidFill>
+                <a:latin typeface="HY동녘M" pitchFamily="18" charset="-127"/>
+                <a:ea typeface="HY동녘M" pitchFamily="18" charset="-127"/>
+              </a:rPr>
+              <a:t>bluetooth</a:t>
             </a:r>
             <a:r>
               <a:rPr lang="ko-KR" altLang="en-US" sz="2400" dirty="0" smtClean="0">
@@ -5087,7 +5184,17 @@
                 <a:latin typeface="HY동녘M" pitchFamily="18" charset="-127"/>
                 <a:ea typeface="HY동녘M" pitchFamily="18" charset="-127"/>
               </a:rPr>
-              <a:t>의 소스를 수정하여 </a:t>
+              <a:t>에서 </a:t>
+            </a:r>
+            <a:r>
+              <a:rPr lang="en-US" altLang="ko-KR" sz="2400" dirty="0" smtClean="0">
+                <a:solidFill>
+                  <a:srgbClr val="000000"/>
+                </a:solidFill>
+                <a:latin typeface="HY동녘M" pitchFamily="18" charset="-127"/>
+                <a:ea typeface="HY동녘M" pitchFamily="18" charset="-127"/>
+              </a:rPr>
+              <a:t>Glib</a:t>
             </a:r>
             <a:r>
               <a:rPr lang="ko-KR" altLang="en-US" sz="2400" dirty="0" smtClean="0">
@@ -5097,8 +5204,20 @@
                 <a:latin typeface="HY동녘M" pitchFamily="18" charset="-127"/>
                 <a:ea typeface="HY동녘M" pitchFamily="18" charset="-127"/>
               </a:rPr>
-              <a:t>임의의 마우스 정보</a:t>
-            </a:r>
+              <a:t>을 사용하는것이 발견되어</a:t>
+            </a:r>
+            <a:endParaRPr lang="en-US" altLang="ko-KR" sz="2400" dirty="0" smtClean="0">
+              <a:solidFill>
+                <a:srgbClr val="000000"/>
+              </a:solidFill>
+              <a:latin typeface="HY동녘M" pitchFamily="18" charset="-127"/>
+              <a:ea typeface="HY동녘M" pitchFamily="18" charset="-127"/>
+            </a:endParaRPr>
+          </a:p>
+          <a:p>
+            <a:pPr marL="400050">
+              <a:buNone/>
+            </a:pPr>
             <a:r>
               <a:rPr lang="en-US" altLang="ko-KR" sz="2400" dirty="0" smtClean="0">
                 <a:solidFill>
@@ -5107,7 +5226,17 @@
                 <a:latin typeface="HY동녘M" pitchFamily="18" charset="-127"/>
                 <a:ea typeface="HY동녘M" pitchFamily="18" charset="-127"/>
               </a:rPr>
-              <a:t>(</a:t>
+              <a:t>	android.mk</a:t>
+            </a:r>
+            <a:r>
+              <a:rPr lang="ko-KR" altLang="en-US" sz="2400" dirty="0" smtClean="0">
+                <a:solidFill>
+                  <a:srgbClr val="000000"/>
+                </a:solidFill>
+                <a:latin typeface="HY동녘M" pitchFamily="18" charset="-127"/>
+                <a:ea typeface="HY동녘M" pitchFamily="18" charset="-127"/>
+              </a:rPr>
+              <a:t>를 분석하여 사용할 수 있는지 </a:t>
             </a:r>
             <a:r>
               <a:rPr lang="ko-KR" altLang="en-US" sz="2400" dirty="0" err="1" smtClean="0">
@@ -5117,78 +5246,15 @@
                 <a:latin typeface="HY동녘M" pitchFamily="18" charset="-127"/>
                 <a:ea typeface="HY동녘M" pitchFamily="18" charset="-127"/>
               </a:rPr>
-              <a:t>디스크립터</a:t>
-            </a:r>
-            <a:r>
-              <a:rPr lang="en-US" altLang="ko-KR" sz="2400" dirty="0" smtClean="0">
-                <a:solidFill>
-                  <a:srgbClr val="000000"/>
-                </a:solidFill>
-                <a:latin typeface="HY동녘M" pitchFamily="18" charset="-127"/>
-                <a:ea typeface="HY동녘M" pitchFamily="18" charset="-127"/>
-              </a:rPr>
-              <a:t>, </a:t>
-            </a:r>
-            <a:r>
-              <a:rPr lang="ko-KR" altLang="en-US" sz="2400" dirty="0" smtClean="0">
-                <a:solidFill>
-                  <a:srgbClr val="000000"/>
-                </a:solidFill>
-                <a:latin typeface="HY동녘M" pitchFamily="18" charset="-127"/>
-                <a:ea typeface="HY동녘M" pitchFamily="18" charset="-127"/>
-              </a:rPr>
-              <a:t>속도 등등</a:t>
-            </a:r>
-            <a:r>
-              <a:rPr lang="en-US" altLang="ko-KR" sz="2400" dirty="0" smtClean="0">
-                <a:solidFill>
-                  <a:srgbClr val="000000"/>
-                </a:solidFill>
-                <a:latin typeface="HY동녘M" pitchFamily="18" charset="-127"/>
-                <a:ea typeface="HY동녘M" pitchFamily="18" charset="-127"/>
-              </a:rPr>
-              <a:t>)</a:t>
-            </a:r>
-            <a:r>
-              <a:rPr lang="ko-KR" altLang="en-US" sz="2400" dirty="0" smtClean="0">
-                <a:solidFill>
-                  <a:srgbClr val="000000"/>
-                </a:solidFill>
-                <a:latin typeface="HY동녘M" pitchFamily="18" charset="-127"/>
-                <a:ea typeface="HY동녘M" pitchFamily="18" charset="-127"/>
-              </a:rPr>
-              <a:t>를 하드코딩 하여 </a:t>
-            </a:r>
-            <a:r>
-              <a:rPr lang="en-US" altLang="ko-KR" sz="2400" dirty="0" smtClean="0">
-                <a:solidFill>
-                  <a:srgbClr val="000000"/>
-                </a:solidFill>
-                <a:latin typeface="HY동녘M" pitchFamily="18" charset="-127"/>
-                <a:ea typeface="HY동녘M" pitchFamily="18" charset="-127"/>
-              </a:rPr>
-              <a:t>USB/IP </a:t>
-            </a:r>
-            <a:r>
-              <a:rPr lang="ko-KR" altLang="en-US" sz="2400" dirty="0" smtClean="0">
-                <a:solidFill>
-                  <a:srgbClr val="000000"/>
-                </a:solidFill>
-                <a:latin typeface="HY동녘M" pitchFamily="18" charset="-127"/>
-                <a:ea typeface="HY동녘M" pitchFamily="18" charset="-127"/>
-              </a:rPr>
-              <a:t>프로그램에서 인식이 가능하도록 수정 중</a:t>
-            </a:r>
-            <a:r>
-              <a:rPr lang="en-US" altLang="ko-KR" sz="2400" dirty="0" smtClean="0">
-                <a:solidFill>
-                  <a:srgbClr val="000000"/>
-                </a:solidFill>
-                <a:latin typeface="HY동녘M" pitchFamily="18" charset="-127"/>
-                <a:ea typeface="HY동녘M" pitchFamily="18" charset="-127"/>
-              </a:rPr>
-              <a:t>.</a:t>
-            </a:r>
+              <a:t>파악중</a:t>
+            </a:r>
+            <a:endParaRPr lang="en-US" altLang="ko-KR" sz="2400" dirty="0" smtClean="0">
+              <a:solidFill>
+                <a:srgbClr val="000000"/>
+              </a:solidFill>
+              <a:latin typeface="HY동녘M" pitchFamily="18" charset="-127"/>
+              <a:ea typeface="HY동녘M" pitchFamily="18" charset="-127"/>
+            </a:endParaRPr>
           </a:p>
           <a:p>
             <a:pPr marL="400050">
@@ -5202,67 +5268,12 @@
               <a:ea typeface="HY동녘M" pitchFamily="18" charset="-127"/>
             </a:endParaRPr>
           </a:p>
-          <a:p>
-            <a:pPr marL="400050">
-              <a:buFontTx/>
-              <a:buChar char="-"/>
-            </a:pPr>
-            <a:r>
-              <a:rPr lang="ko-KR" altLang="en-US" sz="2400" dirty="0" smtClean="0">
-                <a:solidFill>
-                  <a:srgbClr val="000000"/>
-                </a:solidFill>
-                <a:latin typeface="HY동녘M" pitchFamily="18" charset="-127"/>
-                <a:ea typeface="HY동녘M" pitchFamily="18" charset="-127"/>
-              </a:rPr>
-              <a:t>문제점</a:t>
-            </a:r>
-            <a:endParaRPr lang="en-US" altLang="ko-KR" sz="2400" dirty="0" smtClean="0">
-              <a:solidFill>
-                <a:srgbClr val="000000"/>
-              </a:solidFill>
-              <a:latin typeface="HY동녘M" pitchFamily="18" charset="-127"/>
-              <a:ea typeface="HY동녘M" pitchFamily="18" charset="-127"/>
-            </a:endParaRPr>
-          </a:p>
-          <a:p>
-            <a:pPr marL="400050">
-              <a:buNone/>
-            </a:pPr>
-            <a:r>
-              <a:rPr lang="en-US" altLang="ko-KR" sz="2400" dirty="0" smtClean="0">
-                <a:solidFill>
-                  <a:srgbClr val="000000"/>
-                </a:solidFill>
-                <a:latin typeface="HY동녘M" pitchFamily="18" charset="-127"/>
-                <a:ea typeface="HY동녘M" pitchFamily="18" charset="-127"/>
-              </a:rPr>
-              <a:t> </a:t>
-            </a:r>
-            <a:r>
-              <a:rPr lang="en-US" altLang="ko-KR" sz="2400" dirty="0" smtClean="0">
-                <a:solidFill>
-                  <a:srgbClr val="000000"/>
-                </a:solidFill>
-                <a:latin typeface="HY동녘M" pitchFamily="18" charset="-127"/>
-                <a:ea typeface="HY동녘M" pitchFamily="18" charset="-127"/>
-              </a:rPr>
-              <a:t>  </a:t>
-            </a:r>
-            <a:endParaRPr lang="en-US" altLang="ko-KR" sz="2400" dirty="0" smtClean="0">
-              <a:solidFill>
-                <a:srgbClr val="000000"/>
-              </a:solidFill>
-              <a:latin typeface="HY동녘M" pitchFamily="18" charset="-127"/>
-              <a:ea typeface="HY동녘M" pitchFamily="18" charset="-127"/>
-            </a:endParaRPr>
-          </a:p>
         </p:txBody>
       </p:sp>
     </p:spTree>
     <p:extLst>
       <p:ext uri="{BB962C8B-B14F-4D97-AF65-F5344CB8AC3E}">
-        <p14:creationId xmlns:p14="http://schemas.microsoft.com/office/powerpoint/2010/main" xmlns="" val="3723977454"/>
+        <p14:creationId xmlns="" xmlns:p14="http://schemas.microsoft.com/office/powerpoint/2010/main" val="3723977454"/>
       </p:ext>
     </p:extLst>
   </p:cSld>
@@ -5577,7 +5588,7 @@
         <a:effectLst/>
         <a:extLst>
           <a:ext uri="{91240B29-F687-4F45-9708-019B960494DF}">
-            <a14:hiddenLine xmlns:a14="http://schemas.microsoft.com/office/drawing/2010/main" xmlns="" w="9525" cap="flat" cmpd="sng" algn="ctr">
+            <a14:hiddenLine xmlns="" xmlns:a14="http://schemas.microsoft.com/office/drawing/2010/main" w="9525" cap="flat" cmpd="sng" algn="ctr">
               <a:solidFill>
                 <a:schemeClr val="tx1"/>
               </a:solidFill>
@@ -5588,7 +5599,7 @@
             </a14:hiddenLine>
           </a:ext>
           <a:ext uri="{AF507438-7753-43E0-B8FC-AC1667EBCBE1}">
-            <a14:hiddenEffects xmlns:a14="http://schemas.microsoft.com/office/drawing/2010/main" xmlns="">
+            <a14:hiddenEffects xmlns="" xmlns:a14="http://schemas.microsoft.com/office/drawing/2010/main">
               <a:effectLst>
                 <a:outerShdw dist="35921" dir="2700000" algn="ctr" rotWithShape="0">
                   <a:schemeClr val="bg2"/>

--- a/Documents/presentation doc/0516presentation.pptx
+++ b/Documents/presentation doc/0516presentation.pptx
@@ -9,8 +9,8 @@
   </p:notesMasterIdLst>
   <p:sldIdLst>
     <p:sldId id="303" r:id="rId2"/>
-    <p:sldId id="306" r:id="rId3"/>
-    <p:sldId id="282" r:id="rId4"/>
+    <p:sldId id="282" r:id="rId3"/>
+    <p:sldId id="304" r:id="rId4"/>
     <p:sldId id="305" r:id="rId5"/>
   </p:sldIdLst>
   <p:sldSz cx="9144000" cy="6858000" type="screen4x3"/>
@@ -193,14 +193,14 @@
           <a:effectLst/>
           <a:extLst>
             <a:ext uri="{909E8E84-426E-40DD-AFC4-6F175D3DCCD1}">
-              <a14:hiddenFill xmlns="" xmlns:a14="http://schemas.microsoft.com/office/drawing/2010/main">
+              <a14:hiddenFill xmlns:a14="http://schemas.microsoft.com/office/drawing/2010/main" xmlns="">
                 <a:solidFill>
                   <a:schemeClr val="accent1"/>
                 </a:solidFill>
               </a14:hiddenFill>
             </a:ext>
             <a:ext uri="{91240B29-F687-4F45-9708-019B960494DF}">
-              <a14:hiddenLine xmlns="" xmlns:a14="http://schemas.microsoft.com/office/drawing/2010/main" w="9525">
+              <a14:hiddenLine xmlns:a14="http://schemas.microsoft.com/office/drawing/2010/main" xmlns="" w="9525">
                 <a:solidFill>
                   <a:schemeClr val="tx1"/>
                 </a:solidFill>
@@ -210,7 +210,7 @@
               </a14:hiddenLine>
             </a:ext>
             <a:ext uri="{AF507438-7753-43E0-B8FC-AC1667EBCBE1}">
-              <a14:hiddenEffects xmlns="" xmlns:a14="http://schemas.microsoft.com/office/drawing/2010/main">
+              <a14:hiddenEffects xmlns:a14="http://schemas.microsoft.com/office/drawing/2010/main" xmlns="">
                 <a:effectLst>
                   <a:outerShdw dist="35921" dir="2700000" algn="ctr" rotWithShape="0">
                     <a:schemeClr val="bg2"/>
@@ -263,14 +263,14 @@
           <a:effectLst/>
           <a:extLst>
             <a:ext uri="{909E8E84-426E-40DD-AFC4-6F175D3DCCD1}">
-              <a14:hiddenFill xmlns="" xmlns:a14="http://schemas.microsoft.com/office/drawing/2010/main">
+              <a14:hiddenFill xmlns:a14="http://schemas.microsoft.com/office/drawing/2010/main" xmlns="">
                 <a:solidFill>
                   <a:schemeClr val="accent1"/>
                 </a:solidFill>
               </a14:hiddenFill>
             </a:ext>
             <a:ext uri="{91240B29-F687-4F45-9708-019B960494DF}">
-              <a14:hiddenLine xmlns="" xmlns:a14="http://schemas.microsoft.com/office/drawing/2010/main" w="9525">
+              <a14:hiddenLine xmlns:a14="http://schemas.microsoft.com/office/drawing/2010/main" xmlns="" w="9525">
                 <a:solidFill>
                   <a:schemeClr val="tx1"/>
                 </a:solidFill>
@@ -280,7 +280,7 @@
               </a14:hiddenLine>
             </a:ext>
             <a:ext uri="{AF507438-7753-43E0-B8FC-AC1667EBCBE1}">
-              <a14:hiddenEffects xmlns="" xmlns:a14="http://schemas.microsoft.com/office/drawing/2010/main">
+              <a14:hiddenEffects xmlns:a14="http://schemas.microsoft.com/office/drawing/2010/main" xmlns="">
                 <a:effectLst>
                   <a:outerShdw dist="35921" dir="2700000" algn="ctr" rotWithShape="0">
                     <a:schemeClr val="bg2"/>
@@ -338,7 +338,7 @@
           <a:effectLst/>
           <a:extLst>
             <a:ext uri="{AF507438-7753-43E0-B8FC-AC1667EBCBE1}">
-              <a14:hiddenEffects xmlns="" xmlns:a14="http://schemas.microsoft.com/office/drawing/2010/main">
+              <a14:hiddenEffects xmlns:a14="http://schemas.microsoft.com/office/drawing/2010/main" xmlns="">
                 <a:effectLst>
                   <a:outerShdw dist="35921" dir="2700000" algn="ctr" rotWithShape="0">
                     <a:srgbClr val="808080"/>
@@ -347,7 +347,7 @@
               </a14:hiddenEffects>
             </a:ext>
             <a:ext uri="{53640926-AAD7-44D8-BBD7-CCE9431645EC}">
-              <a14:shadowObscured xmlns="" xmlns:a14="http://schemas.microsoft.com/office/drawing/2010/main" val="1"/>
+              <a14:shadowObscured xmlns:a14="http://schemas.microsoft.com/office/drawing/2010/main" xmlns="" val="1"/>
             </a:ext>
           </a:extLst>
         </p:spPr>
@@ -377,14 +377,14 @@
           <a:effectLst/>
           <a:extLst>
             <a:ext uri="{909E8E84-426E-40DD-AFC4-6F175D3DCCD1}">
-              <a14:hiddenFill xmlns="" xmlns:a14="http://schemas.microsoft.com/office/drawing/2010/main">
+              <a14:hiddenFill xmlns:a14="http://schemas.microsoft.com/office/drawing/2010/main" xmlns="">
                 <a:solidFill>
                   <a:schemeClr val="accent1"/>
                 </a:solidFill>
               </a14:hiddenFill>
             </a:ext>
             <a:ext uri="{91240B29-F687-4F45-9708-019B960494DF}">
-              <a14:hiddenLine xmlns="" xmlns:a14="http://schemas.microsoft.com/office/drawing/2010/main" w="9525">
+              <a14:hiddenLine xmlns:a14="http://schemas.microsoft.com/office/drawing/2010/main" xmlns="" w="9525">
                 <a:solidFill>
                   <a:schemeClr val="tx1"/>
                 </a:solidFill>
@@ -394,7 +394,7 @@
               </a14:hiddenLine>
             </a:ext>
             <a:ext uri="{AF507438-7753-43E0-B8FC-AC1667EBCBE1}">
-              <a14:hiddenEffects xmlns="" xmlns:a14="http://schemas.microsoft.com/office/drawing/2010/main">
+              <a14:hiddenEffects xmlns:a14="http://schemas.microsoft.com/office/drawing/2010/main" xmlns="">
                 <a:effectLst>
                   <a:outerShdw dist="35921" dir="2700000" algn="ctr" rotWithShape="0">
                     <a:schemeClr val="bg2"/>
@@ -473,14 +473,14 @@
           <a:effectLst/>
           <a:extLst>
             <a:ext uri="{909E8E84-426E-40DD-AFC4-6F175D3DCCD1}">
-              <a14:hiddenFill xmlns="" xmlns:a14="http://schemas.microsoft.com/office/drawing/2010/main">
+              <a14:hiddenFill xmlns:a14="http://schemas.microsoft.com/office/drawing/2010/main" xmlns="">
                 <a:solidFill>
                   <a:schemeClr val="accent1"/>
                 </a:solidFill>
               </a14:hiddenFill>
             </a:ext>
             <a:ext uri="{91240B29-F687-4F45-9708-019B960494DF}">
-              <a14:hiddenLine xmlns="" xmlns:a14="http://schemas.microsoft.com/office/drawing/2010/main" w="9525">
+              <a14:hiddenLine xmlns:a14="http://schemas.microsoft.com/office/drawing/2010/main" xmlns="" w="9525">
                 <a:solidFill>
                   <a:schemeClr val="tx1"/>
                 </a:solidFill>
@@ -490,7 +490,7 @@
               </a14:hiddenLine>
             </a:ext>
             <a:ext uri="{AF507438-7753-43E0-B8FC-AC1667EBCBE1}">
-              <a14:hiddenEffects xmlns="" xmlns:a14="http://schemas.microsoft.com/office/drawing/2010/main">
+              <a14:hiddenEffects xmlns:a14="http://schemas.microsoft.com/office/drawing/2010/main" xmlns="">
                 <a:effectLst>
                   <a:outerShdw dist="35921" dir="2700000" algn="ctr" rotWithShape="0">
                     <a:schemeClr val="bg2"/>
@@ -543,14 +543,14 @@
           <a:effectLst/>
           <a:extLst>
             <a:ext uri="{909E8E84-426E-40DD-AFC4-6F175D3DCCD1}">
-              <a14:hiddenFill xmlns="" xmlns:a14="http://schemas.microsoft.com/office/drawing/2010/main">
+              <a14:hiddenFill xmlns:a14="http://schemas.microsoft.com/office/drawing/2010/main" xmlns="">
                 <a:solidFill>
                   <a:schemeClr val="accent1"/>
                 </a:solidFill>
               </a14:hiddenFill>
             </a:ext>
             <a:ext uri="{91240B29-F687-4F45-9708-019B960494DF}">
-              <a14:hiddenLine xmlns="" xmlns:a14="http://schemas.microsoft.com/office/drawing/2010/main" w="9525">
+              <a14:hiddenLine xmlns:a14="http://schemas.microsoft.com/office/drawing/2010/main" xmlns="" w="9525">
                 <a:solidFill>
                   <a:schemeClr val="tx1"/>
                 </a:solidFill>
@@ -560,7 +560,7 @@
               </a14:hiddenLine>
             </a:ext>
             <a:ext uri="{AF507438-7753-43E0-B8FC-AC1667EBCBE1}">
-              <a14:hiddenEffects xmlns="" xmlns:a14="http://schemas.microsoft.com/office/drawing/2010/main">
+              <a14:hiddenEffects xmlns:a14="http://schemas.microsoft.com/office/drawing/2010/main" xmlns="">
                 <a:effectLst>
                   <a:outerShdw dist="35921" dir="2700000" algn="ctr" rotWithShape="0">
                     <a:schemeClr val="bg2"/>
@@ -596,7 +596,7 @@
     </p:spTree>
     <p:extLst>
       <p:ext uri="{BB962C8B-B14F-4D97-AF65-F5344CB8AC3E}">
-        <p14:creationId xmlns="" xmlns:p14="http://schemas.microsoft.com/office/powerpoint/2010/main" val="3354467039"/>
+        <p14:creationId xmlns:p14="http://schemas.microsoft.com/office/powerpoint/2010/main" xmlns="" val="3354467039"/>
       </p:ext>
     </p:extLst>
   </p:cSld>
@@ -885,7 +885,7 @@
     </p:spTree>
     <p:extLst>
       <p:ext uri="{BB962C8B-B14F-4D97-AF65-F5344CB8AC3E}">
-        <p14:creationId xmlns="" xmlns:p14="http://schemas.microsoft.com/office/powerpoint/2010/main" val="483073219"/>
+        <p14:creationId xmlns:p14="http://schemas.microsoft.com/office/powerpoint/2010/main" xmlns="" val="483073219"/>
       </p:ext>
     </p:extLst>
   </p:cSld>
@@ -970,7 +970,7 @@
     </p:spTree>
     <p:extLst>
       <p:ext uri="{BB962C8B-B14F-4D97-AF65-F5344CB8AC3E}">
-        <p14:creationId xmlns="" xmlns:p14="http://schemas.microsoft.com/office/powerpoint/2010/main" val="483073219"/>
+        <p14:creationId xmlns:p14="http://schemas.microsoft.com/office/powerpoint/2010/main" xmlns="" val="483073219"/>
       </p:ext>
     </p:extLst>
   </p:cSld>
@@ -1055,7 +1055,7 @@
     </p:spTree>
     <p:extLst>
       <p:ext uri="{BB962C8B-B14F-4D97-AF65-F5344CB8AC3E}">
-        <p14:creationId xmlns="" xmlns:p14="http://schemas.microsoft.com/office/powerpoint/2010/main" val="483073219"/>
+        <p14:creationId xmlns:p14="http://schemas.microsoft.com/office/powerpoint/2010/main" xmlns="" val="483073219"/>
       </p:ext>
     </p:extLst>
   </p:cSld>
@@ -1111,7 +1111,7 @@
           </a:xfrm>
           <a:extLst>
             <a:ext uri="{AF507438-7753-43E0-B8FC-AC1667EBCBE1}">
-              <a14:hiddenEffects xmlns="" xmlns:a14="http://schemas.microsoft.com/office/drawing/2010/main">
+              <a14:hiddenEffects xmlns:a14="http://schemas.microsoft.com/office/drawing/2010/main" xmlns="">
                 <a:effectLst>
                   <a:outerShdw dist="17961" dir="2700000" algn="ctr" rotWithShape="0">
                     <a:schemeClr val="bg1"/>
@@ -1155,7 +1155,7 @@
           </a:xfrm>
           <a:extLst>
             <a:ext uri="{AF507438-7753-43E0-B8FC-AC1667EBCBE1}">
-              <a14:hiddenEffects xmlns="" xmlns:a14="http://schemas.microsoft.com/office/drawing/2010/main">
+              <a14:hiddenEffects xmlns:a14="http://schemas.microsoft.com/office/drawing/2010/main" xmlns="">
                 <a:effectLst>
                   <a:outerShdw dist="17961" dir="2700000" algn="ctr" rotWithShape="0">
                     <a:schemeClr val="bg1"/>
@@ -1291,7 +1291,7 @@
     </p:spTree>
     <p:extLst>
       <p:ext uri="{BB962C8B-B14F-4D97-AF65-F5344CB8AC3E}">
-        <p14:creationId xmlns="" xmlns:p14="http://schemas.microsoft.com/office/powerpoint/2010/main" val="3191849363"/>
+        <p14:creationId xmlns:p14="http://schemas.microsoft.com/office/powerpoint/2010/main" xmlns="" val="3191849363"/>
       </p:ext>
     </p:extLst>
   </p:cSld>
@@ -1406,7 +1406,7 @@
     </p:spTree>
     <p:extLst>
       <p:ext uri="{BB962C8B-B14F-4D97-AF65-F5344CB8AC3E}">
-        <p14:creationId xmlns="" xmlns:p14="http://schemas.microsoft.com/office/powerpoint/2010/main" val="1524186507"/>
+        <p14:creationId xmlns:p14="http://schemas.microsoft.com/office/powerpoint/2010/main" xmlns="" val="1524186507"/>
       </p:ext>
     </p:extLst>
   </p:cSld>
@@ -1511,7 +1511,7 @@
     </p:spTree>
     <p:extLst>
       <p:ext uri="{BB962C8B-B14F-4D97-AF65-F5344CB8AC3E}">
-        <p14:creationId xmlns="" xmlns:p14="http://schemas.microsoft.com/office/powerpoint/2010/main" val="3261712152"/>
+        <p14:creationId xmlns:p14="http://schemas.microsoft.com/office/powerpoint/2010/main" xmlns="" val="3261712152"/>
       </p:ext>
     </p:extLst>
   </p:cSld>
@@ -1638,7 +1638,7 @@
     </p:spTree>
     <p:extLst>
       <p:ext uri="{BB962C8B-B14F-4D97-AF65-F5344CB8AC3E}">
-        <p14:creationId xmlns="" xmlns:p14="http://schemas.microsoft.com/office/powerpoint/2010/main" val="346190723"/>
+        <p14:creationId xmlns:p14="http://schemas.microsoft.com/office/powerpoint/2010/main" xmlns="" val="346190723"/>
       </p:ext>
     </p:extLst>
   </p:cSld>
@@ -1861,7 +1861,7 @@
     </p:spTree>
     <p:extLst>
       <p:ext uri="{BB962C8B-B14F-4D97-AF65-F5344CB8AC3E}">
-        <p14:creationId xmlns="" xmlns:p14="http://schemas.microsoft.com/office/powerpoint/2010/main" val="4255224362"/>
+        <p14:creationId xmlns:p14="http://schemas.microsoft.com/office/powerpoint/2010/main" xmlns="" val="4255224362"/>
       </p:ext>
     </p:extLst>
   </p:cSld>
@@ -2223,7 +2223,7 @@
     </p:spTree>
     <p:extLst>
       <p:ext uri="{BB962C8B-B14F-4D97-AF65-F5344CB8AC3E}">
-        <p14:creationId xmlns="" xmlns:p14="http://schemas.microsoft.com/office/powerpoint/2010/main" val="234523478"/>
+        <p14:creationId xmlns:p14="http://schemas.microsoft.com/office/powerpoint/2010/main" xmlns="" val="234523478"/>
       </p:ext>
     </p:extLst>
   </p:cSld>
@@ -2276,7 +2276,7 @@
     </p:spTree>
     <p:extLst>
       <p:ext uri="{BB962C8B-B14F-4D97-AF65-F5344CB8AC3E}">
-        <p14:creationId xmlns="" xmlns:p14="http://schemas.microsoft.com/office/powerpoint/2010/main" val="4170126094"/>
+        <p14:creationId xmlns:p14="http://schemas.microsoft.com/office/powerpoint/2010/main" xmlns="" val="4170126094"/>
       </p:ext>
     </p:extLst>
   </p:cSld>
@@ -2306,7 +2306,7 @@
     </p:spTree>
     <p:extLst>
       <p:ext uri="{BB962C8B-B14F-4D97-AF65-F5344CB8AC3E}">
-        <p14:creationId xmlns="" xmlns:p14="http://schemas.microsoft.com/office/powerpoint/2010/main" val="3131819388"/>
+        <p14:creationId xmlns:p14="http://schemas.microsoft.com/office/powerpoint/2010/main" xmlns="" val="3131819388"/>
       </p:ext>
     </p:extLst>
   </p:cSld>
@@ -2518,7 +2518,7 @@
     </p:spTree>
     <p:extLst>
       <p:ext uri="{BB962C8B-B14F-4D97-AF65-F5344CB8AC3E}">
-        <p14:creationId xmlns="" xmlns:p14="http://schemas.microsoft.com/office/powerpoint/2010/main" val="1266256783"/>
+        <p14:creationId xmlns:p14="http://schemas.microsoft.com/office/powerpoint/2010/main" xmlns="" val="1266256783"/>
       </p:ext>
     </p:extLst>
   </p:cSld>
@@ -2710,7 +2710,7 @@
     </p:spTree>
     <p:extLst>
       <p:ext uri="{BB962C8B-B14F-4D97-AF65-F5344CB8AC3E}">
-        <p14:creationId xmlns="" xmlns:p14="http://schemas.microsoft.com/office/powerpoint/2010/main" val="511494401"/>
+        <p14:creationId xmlns:p14="http://schemas.microsoft.com/office/powerpoint/2010/main" xmlns="" val="511494401"/>
       </p:ext>
     </p:extLst>
   </p:cSld>
@@ -2774,14 +2774,14 @@
           <a:effectLst/>
           <a:extLst>
             <a:ext uri="{909E8E84-426E-40DD-AFC4-6F175D3DCCD1}">
-              <a14:hiddenFill xmlns="" xmlns:a14="http://schemas.microsoft.com/office/drawing/2010/main">
+              <a14:hiddenFill xmlns:a14="http://schemas.microsoft.com/office/drawing/2010/main" xmlns="">
                 <a:solidFill>
                   <a:schemeClr val="accent1"/>
                 </a:solidFill>
               </a14:hiddenFill>
             </a:ext>
             <a:ext uri="{91240B29-F687-4F45-9708-019B960494DF}">
-              <a14:hiddenLine xmlns="" xmlns:a14="http://schemas.microsoft.com/office/drawing/2010/main" w="9525">
+              <a14:hiddenLine xmlns:a14="http://schemas.microsoft.com/office/drawing/2010/main" xmlns="" w="9525">
                 <a:solidFill>
                   <a:schemeClr val="tx1"/>
                 </a:solidFill>
@@ -2791,7 +2791,7 @@
               </a14:hiddenLine>
             </a:ext>
             <a:ext uri="{AF507438-7753-43E0-B8FC-AC1667EBCBE1}">
-              <a14:hiddenEffects xmlns="" xmlns:a14="http://schemas.microsoft.com/office/drawing/2010/main">
+              <a14:hiddenEffects xmlns:a14="http://schemas.microsoft.com/office/drawing/2010/main" xmlns="">
                 <a:effectLst>
                   <a:outerShdw dist="35921" dir="2700000" algn="ctr" rotWithShape="0">
                     <a:schemeClr val="bg2"/>
@@ -2843,14 +2843,14 @@
           <a:effectLst/>
           <a:extLst>
             <a:ext uri="{909E8E84-426E-40DD-AFC4-6F175D3DCCD1}">
-              <a14:hiddenFill xmlns="" xmlns:a14="http://schemas.microsoft.com/office/drawing/2010/main">
+              <a14:hiddenFill xmlns:a14="http://schemas.microsoft.com/office/drawing/2010/main" xmlns="">
                 <a:solidFill>
                   <a:schemeClr val="accent1"/>
                 </a:solidFill>
               </a14:hiddenFill>
             </a:ext>
             <a:ext uri="{91240B29-F687-4F45-9708-019B960494DF}">
-              <a14:hiddenLine xmlns="" xmlns:a14="http://schemas.microsoft.com/office/drawing/2010/main" w="9525">
+              <a14:hiddenLine xmlns:a14="http://schemas.microsoft.com/office/drawing/2010/main" xmlns="" w="9525">
                 <a:solidFill>
                   <a:schemeClr val="tx1"/>
                 </a:solidFill>
@@ -2860,7 +2860,7 @@
               </a14:hiddenLine>
             </a:ext>
             <a:ext uri="{AF507438-7753-43E0-B8FC-AC1667EBCBE1}">
-              <a14:hiddenEffects xmlns="" xmlns:a14="http://schemas.microsoft.com/office/drawing/2010/main">
+              <a14:hiddenEffects xmlns:a14="http://schemas.microsoft.com/office/drawing/2010/main" xmlns="">
                 <a:effectLst>
                   <a:outerShdw dist="35921" dir="2700000" algn="ctr" rotWithShape="0">
                     <a:schemeClr val="bg2"/>
@@ -3453,7 +3453,7 @@
           <p:nvPr>
             <p:extLst>
               <p:ext uri="{D42A27DB-BD31-4B8C-83A1-F6EECF244321}">
-                <p14:modId xmlns="" xmlns:p14="http://schemas.microsoft.com/office/powerpoint/2010/main" val="3019215210"/>
+                <p14:modId xmlns:p14="http://schemas.microsoft.com/office/powerpoint/2010/main" xmlns="" val="3019215210"/>
               </p:ext>
             </p:extLst>
           </p:nvPr>
@@ -4162,7 +4162,7 @@
     </p:spTree>
     <p:extLst>
       <p:ext uri="{BB962C8B-B14F-4D97-AF65-F5344CB8AC3E}">
-        <p14:creationId xmlns="" xmlns:p14="http://schemas.microsoft.com/office/powerpoint/2010/main" val="3872289296"/>
+        <p14:creationId xmlns:p14="http://schemas.microsoft.com/office/powerpoint/2010/main" xmlns="" val="3872289296"/>
       </p:ext>
     </p:extLst>
   </p:cSld>
@@ -4220,7 +4220,27 @@
                 <a:latin typeface="HY동녘M" pitchFamily="18" charset="-127"/>
                 <a:ea typeface="HY동녘M" pitchFamily="18" charset="-127"/>
               </a:rPr>
-              <a:t>프로젝트 진행상황</a:t>
+              <a:t>프로젝트 </a:t>
+            </a:r>
+            <a:r>
+              <a:rPr lang="ko-KR" altLang="en-US" sz="5400" spc="600" dirty="0" smtClean="0">
+                <a:solidFill>
+                  <a:srgbClr val="000000"/>
+                </a:solidFill>
+                <a:latin typeface="HY동녘M" pitchFamily="18" charset="-127"/>
+                <a:ea typeface="HY동녘M" pitchFamily="18" charset="-127"/>
+              </a:rPr>
+              <a:t>진행상</a:t>
+            </a:r>
+            <a:r>
+              <a:rPr lang="ko-KR" altLang="en-US" sz="5400" spc="600" dirty="0" smtClean="0">
+                <a:solidFill>
+                  <a:srgbClr val="000000"/>
+                </a:solidFill>
+                <a:latin typeface="HY동녘M" pitchFamily="18" charset="-127"/>
+                <a:ea typeface="HY동녘M" pitchFamily="18" charset="-127"/>
+              </a:rPr>
+              <a:t>황</a:t>
             </a:r>
             <a:endParaRPr lang="ko-KR" altLang="en-US" sz="5400" dirty="0">
               <a:solidFill>
@@ -4279,39 +4299,9 @@
                 <a:latin typeface="HY동녘M" pitchFamily="18" charset="-127"/>
                 <a:ea typeface="HY동녘M" pitchFamily="18" charset="-127"/>
               </a:rPr>
-              <a:t> 인식 진행 </a:t>
-            </a:r>
-            <a:r>
-              <a:rPr lang="ko-KR" altLang="en-US" dirty="0" smtClean="0">
-                <a:solidFill>
-                  <a:srgbClr val="000000"/>
-                </a:solidFill>
-                <a:latin typeface="HY동녘M" pitchFamily="18" charset="-127"/>
-                <a:ea typeface="HY동녘M" pitchFamily="18" charset="-127"/>
-              </a:rPr>
-              <a:t>상</a:t>
-            </a:r>
-            <a:r>
-              <a:rPr lang="ko-KR" altLang="en-US" dirty="0" smtClean="0">
-                <a:solidFill>
-                  <a:srgbClr val="000000"/>
-                </a:solidFill>
-                <a:latin typeface="HY동녘M" pitchFamily="18" charset="-127"/>
-                <a:ea typeface="HY동녘M" pitchFamily="18" charset="-127"/>
-              </a:rPr>
-              <a:t>황</a:t>
-            </a:r>
-            <a:r>
-              <a:rPr lang="en-US" altLang="ko-KR" dirty="0" smtClean="0">
-                <a:solidFill>
-                  <a:srgbClr val="000000"/>
-                </a:solidFill>
-                <a:latin typeface="HY동녘M" pitchFamily="18" charset="-127"/>
-                <a:ea typeface="HY동녘M" pitchFamily="18" charset="-127"/>
-              </a:rPr>
-              <a:t> </a:t>
-            </a:r>
-            <a:endParaRPr lang="en-US" altLang="ko-KR" sz="2400" dirty="0" smtClean="0">
+              <a:t> 인식 진행 상황</a:t>
+            </a:r>
+            <a:endParaRPr lang="en-US" altLang="ko-KR" dirty="0" smtClean="0">
               <a:solidFill>
                 <a:srgbClr val="000000"/>
               </a:solidFill>
@@ -4321,8 +4311,142 @@
           </a:p>
           <a:p>
             <a:pPr marL="400050">
-              <a:buFontTx/>
-              <a:buChar char="-"/>
+              <a:buNone/>
+            </a:pPr>
+            <a:r>
+              <a:rPr lang="en-US" altLang="ko-KR" dirty="0" smtClean="0">
+                <a:solidFill>
+                  <a:srgbClr val="000000"/>
+                </a:solidFill>
+                <a:latin typeface="HY동녘M" pitchFamily="18" charset="-127"/>
+                <a:ea typeface="HY동녘M" pitchFamily="18" charset="-127"/>
+              </a:rPr>
+              <a:t> </a:t>
+            </a:r>
+            <a:r>
+              <a:rPr lang="en-US" altLang="ko-KR" sz="2400" dirty="0" smtClean="0">
+                <a:solidFill>
+                  <a:srgbClr val="000000"/>
+                </a:solidFill>
+                <a:latin typeface="HY동녘M" pitchFamily="18" charset="-127"/>
+                <a:ea typeface="HY동녘M" pitchFamily="18" charset="-127"/>
+              </a:rPr>
+              <a:t>- USB/IP</a:t>
+            </a:r>
+            <a:r>
+              <a:rPr lang="ko-KR" altLang="en-US" sz="2400" dirty="0" smtClean="0">
+                <a:solidFill>
+                  <a:srgbClr val="000000"/>
+                </a:solidFill>
+                <a:latin typeface="HY동녘M" pitchFamily="18" charset="-127"/>
+                <a:ea typeface="HY동녘M" pitchFamily="18" charset="-127"/>
+              </a:rPr>
+              <a:t>의 소스를 수정하여 </a:t>
+            </a:r>
+            <a:r>
+              <a:rPr lang="ko-KR" altLang="en-US" sz="2400" dirty="0" smtClean="0">
+                <a:solidFill>
+                  <a:srgbClr val="000000"/>
+                </a:solidFill>
+                <a:latin typeface="HY동녘M" pitchFamily="18" charset="-127"/>
+                <a:ea typeface="HY동녘M" pitchFamily="18" charset="-127"/>
+              </a:rPr>
+              <a:t>임의의 마우스 정보</a:t>
+            </a:r>
+            <a:r>
+              <a:rPr lang="en-US" altLang="ko-KR" sz="2400" dirty="0" smtClean="0">
+                <a:solidFill>
+                  <a:srgbClr val="000000"/>
+                </a:solidFill>
+                <a:latin typeface="HY동녘M" pitchFamily="18" charset="-127"/>
+                <a:ea typeface="HY동녘M" pitchFamily="18" charset="-127"/>
+              </a:rPr>
+              <a:t>(</a:t>
+            </a:r>
+            <a:r>
+              <a:rPr lang="ko-KR" altLang="en-US" sz="2400" dirty="0" err="1" smtClean="0">
+                <a:solidFill>
+                  <a:srgbClr val="000000"/>
+                </a:solidFill>
+                <a:latin typeface="HY동녘M" pitchFamily="18" charset="-127"/>
+                <a:ea typeface="HY동녘M" pitchFamily="18" charset="-127"/>
+              </a:rPr>
+              <a:t>디스크립터</a:t>
+            </a:r>
+            <a:r>
+              <a:rPr lang="en-US" altLang="ko-KR" sz="2400" dirty="0" smtClean="0">
+                <a:solidFill>
+                  <a:srgbClr val="000000"/>
+                </a:solidFill>
+                <a:latin typeface="HY동녘M" pitchFamily="18" charset="-127"/>
+                <a:ea typeface="HY동녘M" pitchFamily="18" charset="-127"/>
+              </a:rPr>
+              <a:t>, </a:t>
+            </a:r>
+            <a:r>
+              <a:rPr lang="ko-KR" altLang="en-US" sz="2400" dirty="0" smtClean="0">
+                <a:solidFill>
+                  <a:srgbClr val="000000"/>
+                </a:solidFill>
+                <a:latin typeface="HY동녘M" pitchFamily="18" charset="-127"/>
+                <a:ea typeface="HY동녘M" pitchFamily="18" charset="-127"/>
+              </a:rPr>
+              <a:t>속도 등등</a:t>
+            </a:r>
+            <a:r>
+              <a:rPr lang="en-US" altLang="ko-KR" sz="2400" dirty="0" smtClean="0">
+                <a:solidFill>
+                  <a:srgbClr val="000000"/>
+                </a:solidFill>
+                <a:latin typeface="HY동녘M" pitchFamily="18" charset="-127"/>
+                <a:ea typeface="HY동녘M" pitchFamily="18" charset="-127"/>
+              </a:rPr>
+              <a:t>)</a:t>
+            </a:r>
+            <a:r>
+              <a:rPr lang="ko-KR" altLang="en-US" sz="2400" dirty="0" smtClean="0">
+                <a:solidFill>
+                  <a:srgbClr val="000000"/>
+                </a:solidFill>
+                <a:latin typeface="HY동녘M" pitchFamily="18" charset="-127"/>
+                <a:ea typeface="HY동녘M" pitchFamily="18" charset="-127"/>
+              </a:rPr>
+              <a:t>를 하드코딩 하여 </a:t>
+            </a:r>
+            <a:r>
+              <a:rPr lang="en-US" altLang="ko-KR" sz="2400" dirty="0" smtClean="0">
+                <a:solidFill>
+                  <a:srgbClr val="000000"/>
+                </a:solidFill>
+                <a:latin typeface="HY동녘M" pitchFamily="18" charset="-127"/>
+                <a:ea typeface="HY동녘M" pitchFamily="18" charset="-127"/>
+              </a:rPr>
+              <a:t>USB/IP </a:t>
+            </a:r>
+            <a:r>
+              <a:rPr lang="ko-KR" altLang="en-US" sz="2400" dirty="0" smtClean="0">
+                <a:solidFill>
+                  <a:srgbClr val="000000"/>
+                </a:solidFill>
+                <a:latin typeface="HY동녘M" pitchFamily="18" charset="-127"/>
+                <a:ea typeface="HY동녘M" pitchFamily="18" charset="-127"/>
+              </a:rPr>
+              <a:t>프로그램에서 인식이 가능하도록 수정 중</a:t>
+            </a:r>
+            <a:r>
+              <a:rPr lang="en-US" altLang="ko-KR" sz="2400" dirty="0" smtClean="0">
+                <a:solidFill>
+                  <a:srgbClr val="000000"/>
+                </a:solidFill>
+                <a:latin typeface="HY동녘M" pitchFamily="18" charset="-127"/>
+                <a:ea typeface="HY동녘M" pitchFamily="18" charset="-127"/>
+              </a:rPr>
+              <a:t>.</a:t>
+            </a:r>
+          </a:p>
+          <a:p>
+            <a:pPr marL="400050">
+              <a:buNone/>
             </a:pPr>
             <a:endParaRPr lang="en-US" altLang="ko-KR" sz="2400" dirty="0" smtClean="0">
               <a:solidFill>
@@ -4338,16 +4462,6 @@
               <a:buChar char="-"/>
             </a:pPr>
             <a:r>
-              <a:rPr lang="en-US" altLang="ko-KR" sz="2400" dirty="0" smtClean="0">
-                <a:solidFill>
-                  <a:srgbClr val="000000"/>
-                </a:solidFill>
-                <a:latin typeface="HY동녘M" pitchFamily="18" charset="-127"/>
-                <a:ea typeface="HY동녘M" pitchFamily="18" charset="-127"/>
-              </a:rPr>
-              <a:t>Bind</a:t>
-            </a:r>
-            <a:r>
               <a:rPr lang="ko-KR" altLang="en-US" sz="2400" dirty="0" smtClean="0">
                 <a:solidFill>
                   <a:srgbClr val="000000"/>
@@ -4355,27 +4469,7 @@
                 <a:latin typeface="HY동녘M" pitchFamily="18" charset="-127"/>
                 <a:ea typeface="HY동녘M" pitchFamily="18" charset="-127"/>
               </a:rPr>
-              <a:t>할 때 필요한 장치정보와 실제 장치파일을 임시폴더에 복사하고 </a:t>
-            </a:r>
-            <a:r>
-              <a:rPr lang="en-US" altLang="ko-KR" sz="2400" dirty="0" smtClean="0">
-                <a:solidFill>
-                  <a:srgbClr val="000000"/>
-                </a:solidFill>
-                <a:latin typeface="HY동녘M" pitchFamily="18" charset="-127"/>
-                <a:ea typeface="HY동녘M" pitchFamily="18" charset="-127"/>
-              </a:rPr>
-              <a:t>bind </a:t>
-            </a:r>
-            <a:r>
-              <a:rPr lang="ko-KR" altLang="en-US" sz="2400" dirty="0" smtClean="0">
-                <a:solidFill>
-                  <a:srgbClr val="000000"/>
-                </a:solidFill>
-                <a:latin typeface="HY동녘M" pitchFamily="18" charset="-127"/>
-                <a:ea typeface="HY동녘M" pitchFamily="18" charset="-127"/>
-              </a:rPr>
-              <a:t>시도하는 도중 장치파일 복사에 실패</a:t>
+              <a:t>문제점</a:t>
             </a:r>
             <a:endParaRPr lang="en-US" altLang="ko-KR" sz="2400" dirty="0" smtClean="0">
               <a:solidFill>
@@ -4387,9 +4481,68 @@
           </a:p>
           <a:p>
             <a:pPr marL="400050">
-              <a:buFontTx/>
-              <a:buChar char="-"/>
+              <a:buNone/>
             </a:pPr>
+            <a:r>
+              <a:rPr lang="en-US" altLang="ko-KR" sz="2400" dirty="0" smtClean="0">
+                <a:solidFill>
+                  <a:srgbClr val="000000"/>
+                </a:solidFill>
+                <a:latin typeface="HY동녘M" pitchFamily="18" charset="-127"/>
+                <a:ea typeface="HY동녘M" pitchFamily="18" charset="-127"/>
+              </a:rPr>
+              <a:t> </a:t>
+            </a:r>
+            <a:r>
+              <a:rPr lang="en-US" altLang="ko-KR" sz="2400" dirty="0" smtClean="0">
+                <a:solidFill>
+                  <a:srgbClr val="000000"/>
+                </a:solidFill>
+                <a:latin typeface="HY동녘M" pitchFamily="18" charset="-127"/>
+                <a:ea typeface="HY동녘M" pitchFamily="18" charset="-127"/>
+              </a:rPr>
+              <a:t>  </a:t>
+            </a:r>
+            <a:r>
+              <a:rPr lang="ko-KR" altLang="en-US" sz="2400" dirty="0" smtClean="0">
+                <a:solidFill>
+                  <a:srgbClr val="000000"/>
+                </a:solidFill>
+                <a:latin typeface="HY동녘M" pitchFamily="18" charset="-127"/>
+                <a:ea typeface="HY동녘M" pitchFamily="18" charset="-127"/>
+              </a:rPr>
+              <a:t>마우스 </a:t>
+            </a:r>
+            <a:r>
+              <a:rPr lang="en-US" altLang="ko-KR" sz="2400" dirty="0" err="1" smtClean="0">
+                <a:solidFill>
+                  <a:srgbClr val="000000"/>
+                </a:solidFill>
+                <a:latin typeface="HY동녘M" pitchFamily="18" charset="-127"/>
+                <a:ea typeface="HY동녘M" pitchFamily="18" charset="-127"/>
+              </a:rPr>
+              <a:t>devnum</a:t>
+            </a:r>
+            <a:r>
+              <a:rPr lang="ko-KR" altLang="en-US" sz="2400" dirty="0" smtClean="0">
+                <a:solidFill>
+                  <a:srgbClr val="000000"/>
+                </a:solidFill>
+                <a:latin typeface="HY동녘M" pitchFamily="18" charset="-127"/>
+                <a:ea typeface="HY동녘M" pitchFamily="18" charset="-127"/>
+              </a:rPr>
+              <a:t>와 같은 번호의 마우스 캐릭터디바이스 파일이 필요한데 이 파일을 생성하거나 복사하지 못하고있음</a:t>
+            </a:r>
+            <a:r>
+              <a:rPr lang="en-US" altLang="ko-KR" sz="2400" dirty="0" smtClean="0">
+                <a:solidFill>
+                  <a:srgbClr val="000000"/>
+                </a:solidFill>
+                <a:latin typeface="HY동녘M" pitchFamily="18" charset="-127"/>
+                <a:ea typeface="HY동녘M" pitchFamily="18" charset="-127"/>
+              </a:rPr>
+              <a:t>.</a:t>
+            </a:r>
             <a:endParaRPr lang="en-US" altLang="ko-KR" sz="2400" dirty="0" smtClean="0">
               <a:solidFill>
                 <a:srgbClr val="000000"/>
@@ -4398,95 +4551,12 @@
               <a:ea typeface="HY동녘M" pitchFamily="18" charset="-127"/>
             </a:endParaRPr>
           </a:p>
-          <a:p>
-            <a:pPr marL="400050">
-              <a:buFontTx/>
-              <a:buChar char="-"/>
-            </a:pPr>
-            <a:r>
-              <a:rPr lang="ko-KR" altLang="en-US" sz="2400" dirty="0" smtClean="0">
-                <a:solidFill>
-                  <a:srgbClr val="000000"/>
-                </a:solidFill>
-                <a:latin typeface="HY동녘M" pitchFamily="18" charset="-127"/>
-                <a:ea typeface="HY동녘M" pitchFamily="18" charset="-127"/>
-              </a:rPr>
-              <a:t>장</a:t>
-            </a:r>
-            <a:r>
-              <a:rPr lang="ko-KR" altLang="en-US" sz="2400" dirty="0" smtClean="0">
-                <a:solidFill>
-                  <a:srgbClr val="000000"/>
-                </a:solidFill>
-                <a:latin typeface="HY동녘M" pitchFamily="18" charset="-127"/>
-                <a:ea typeface="HY동녘M" pitchFamily="18" charset="-127"/>
-              </a:rPr>
-              <a:t>치파일을 여는 대신 어플리케이션과 통신하도록 </a:t>
-            </a:r>
-            <a:r>
-              <a:rPr lang="en-US" altLang="ko-KR" sz="2400" dirty="0" smtClean="0">
-                <a:solidFill>
-                  <a:srgbClr val="000000"/>
-                </a:solidFill>
-                <a:latin typeface="HY동녘M" pitchFamily="18" charset="-127"/>
-                <a:ea typeface="HY동녘M" pitchFamily="18" charset="-127"/>
-              </a:rPr>
-              <a:t>Stub-Server </a:t>
-            </a:r>
-            <a:r>
-              <a:rPr lang="ko-KR" altLang="en-US" sz="2400" dirty="0" smtClean="0">
-                <a:solidFill>
-                  <a:srgbClr val="000000"/>
-                </a:solidFill>
-                <a:latin typeface="HY동녘M" pitchFamily="18" charset="-127"/>
-                <a:ea typeface="HY동녘M" pitchFamily="18" charset="-127"/>
-              </a:rPr>
-              <a:t>와 </a:t>
-            </a:r>
-            <a:r>
-              <a:rPr lang="en-US" altLang="ko-KR" sz="2400" dirty="0" smtClean="0">
-                <a:solidFill>
-                  <a:srgbClr val="000000"/>
-                </a:solidFill>
-                <a:latin typeface="HY동녘M" pitchFamily="18" charset="-127"/>
-                <a:ea typeface="HY동녘M" pitchFamily="18" charset="-127"/>
-              </a:rPr>
-              <a:t>Stub-driver </a:t>
-            </a:r>
-            <a:r>
-              <a:rPr lang="ko-KR" altLang="en-US" sz="2400" dirty="0" smtClean="0">
-                <a:solidFill>
-                  <a:srgbClr val="000000"/>
-                </a:solidFill>
-                <a:latin typeface="HY동녘M" pitchFamily="18" charset="-127"/>
-                <a:ea typeface="HY동녘M" pitchFamily="18" charset="-127"/>
-              </a:rPr>
-              <a:t>수정 필요</a:t>
-            </a:r>
-            <a:r>
-              <a:rPr lang="en-US" altLang="ko-KR" sz="2400" dirty="0" smtClean="0">
-                <a:solidFill>
-                  <a:srgbClr val="000000"/>
-                </a:solidFill>
-                <a:latin typeface="HY동녘M" pitchFamily="18" charset="-127"/>
-                <a:ea typeface="HY동녘M" pitchFamily="18" charset="-127"/>
-              </a:rPr>
-              <a:t>.</a:t>
-            </a:r>
-            <a:endParaRPr lang="en-US" altLang="ko-KR" sz="2400" dirty="0" smtClean="0">
-              <a:solidFill>
-                <a:srgbClr val="000000"/>
-              </a:solidFill>
-              <a:latin typeface="HY동녘M" pitchFamily="18" charset="-127"/>
-              <a:ea typeface="HY동녘M" pitchFamily="18" charset="-127"/>
-            </a:endParaRPr>
-          </a:p>
         </p:txBody>
       </p:sp>
     </p:spTree>
     <p:extLst>
       <p:ext uri="{BB962C8B-B14F-4D97-AF65-F5344CB8AC3E}">
-        <p14:creationId xmlns="" xmlns:p14="http://schemas.microsoft.com/office/powerpoint/2010/main" val="3723977454"/>
+        <p14:creationId xmlns:p14="http://schemas.microsoft.com/office/powerpoint/2010/main" xmlns="" val="3723977454"/>
       </p:ext>
     </p:extLst>
   </p:cSld>
@@ -4544,7 +4614,27 @@
                 <a:latin typeface="HY동녘M" pitchFamily="18" charset="-127"/>
                 <a:ea typeface="HY동녘M" pitchFamily="18" charset="-127"/>
               </a:rPr>
-              <a:t>프로젝트 진행상황</a:t>
+              <a:t>프로젝트 </a:t>
+            </a:r>
+            <a:r>
+              <a:rPr lang="ko-KR" altLang="en-US" sz="5400" spc="600" dirty="0" smtClean="0">
+                <a:solidFill>
+                  <a:srgbClr val="000000"/>
+                </a:solidFill>
+                <a:latin typeface="HY동녘M" pitchFamily="18" charset="-127"/>
+                <a:ea typeface="HY동녘M" pitchFamily="18" charset="-127"/>
+              </a:rPr>
+              <a:t>진행상</a:t>
+            </a:r>
+            <a:r>
+              <a:rPr lang="ko-KR" altLang="en-US" sz="5400" spc="600" dirty="0" smtClean="0">
+                <a:solidFill>
+                  <a:srgbClr val="000000"/>
+                </a:solidFill>
+                <a:latin typeface="HY동녘M" pitchFamily="18" charset="-127"/>
+                <a:ea typeface="HY동녘M" pitchFamily="18" charset="-127"/>
+              </a:rPr>
+              <a:t>황</a:t>
             </a:r>
             <a:endParaRPr lang="ko-KR" altLang="en-US" sz="5400" dirty="0">
               <a:solidFill>
@@ -4572,10 +4662,29 @@
           <a:lstStyle/>
           <a:p>
             <a:pPr marL="400050">
-              <a:buFont typeface="+mj-lt"/>
-              <a:buAutoNum type="alphaUcPeriod"/>
+              <a:buNone/>
             </a:pPr>
             <a:r>
+              <a:rPr lang="en-US" altLang="ko-KR" dirty="0" smtClean="0">
+                <a:solidFill>
+                  <a:srgbClr val="000000"/>
+                </a:solidFill>
+                <a:latin typeface="HY동녘M" pitchFamily="18" charset="-127"/>
+                <a:ea typeface="HY동녘M" pitchFamily="18" charset="-127"/>
+              </a:rPr>
+              <a:t>B. </a:t>
+            </a:r>
+            <a:r>
+              <a:rPr lang="ko-KR" altLang="en-US" dirty="0" err="1" smtClean="0">
+                <a:solidFill>
+                  <a:srgbClr val="000000"/>
+                </a:solidFill>
+                <a:latin typeface="HY동녘M" pitchFamily="18" charset="-127"/>
+                <a:ea typeface="HY동녘M" pitchFamily="18" charset="-127"/>
+              </a:rPr>
+              <a:t>오드로이드</a:t>
+            </a:r>
+            <a:r>
               <a:rPr lang="ko-KR" altLang="en-US" dirty="0" smtClean="0">
                 <a:solidFill>
                   <a:srgbClr val="000000"/>
@@ -4583,17 +4692,17 @@
                 <a:latin typeface="HY동녘M" pitchFamily="18" charset="-127"/>
                 <a:ea typeface="HY동녘M" pitchFamily="18" charset="-127"/>
               </a:rPr>
-              <a:t>마우스 </a:t>
-            </a:r>
-            <a:r>
-              <a:rPr lang="ko-KR" altLang="en-US" dirty="0" err="1" smtClean="0">
-                <a:solidFill>
-                  <a:srgbClr val="000000"/>
-                </a:solidFill>
-                <a:latin typeface="HY동녘M" pitchFamily="18" charset="-127"/>
-                <a:ea typeface="HY동녘M" pitchFamily="18" charset="-127"/>
-              </a:rPr>
-              <a:t>앱</a:t>
+              <a:t> </a:t>
+            </a:r>
+            <a:r>
+              <a:rPr lang="en-US" altLang="ko-KR" dirty="0" smtClean="0">
+                <a:solidFill>
+                  <a:srgbClr val="000000"/>
+                </a:solidFill>
+                <a:latin typeface="HY동녘M" pitchFamily="18" charset="-127"/>
+                <a:ea typeface="HY동녘M" pitchFamily="18" charset="-127"/>
+              </a:rPr>
+              <a:t>USB/IP </a:t>
             </a:r>
             <a:r>
               <a:rPr lang="ko-KR" altLang="en-US" dirty="0" smtClean="0">
@@ -4603,28 +4712,20 @@
                 <a:latin typeface="HY동녘M" pitchFamily="18" charset="-127"/>
                 <a:ea typeface="HY동녘M" pitchFamily="18" charset="-127"/>
               </a:rPr>
-              <a:t> 인식 진행 </a:t>
-            </a:r>
-            <a:r>
-              <a:rPr lang="ko-KR" altLang="en-US" dirty="0" smtClean="0">
-                <a:solidFill>
-                  <a:srgbClr val="000000"/>
-                </a:solidFill>
-                <a:latin typeface="HY동녘M" pitchFamily="18" charset="-127"/>
-                <a:ea typeface="HY동녘M" pitchFamily="18" charset="-127"/>
-              </a:rPr>
-              <a:t>상</a:t>
-            </a:r>
-            <a:r>
-              <a:rPr lang="ko-KR" altLang="en-US" dirty="0" smtClean="0">
-                <a:solidFill>
-                  <a:srgbClr val="000000"/>
-                </a:solidFill>
-                <a:latin typeface="HY동녘M" pitchFamily="18" charset="-127"/>
-                <a:ea typeface="HY동녘M" pitchFamily="18" charset="-127"/>
-              </a:rPr>
-              <a:t>황</a:t>
-            </a:r>
+              <a:t>크로스 컴파일</a:t>
+            </a:r>
+            <a:endParaRPr lang="en-US" altLang="ko-KR" dirty="0" smtClean="0">
+              <a:solidFill>
+                <a:srgbClr val="000000"/>
+              </a:solidFill>
+              <a:latin typeface="HY동녘M" pitchFamily="18" charset="-127"/>
+              <a:ea typeface="HY동녘M" pitchFamily="18" charset="-127"/>
+            </a:endParaRPr>
+          </a:p>
+          <a:p>
+            <a:pPr marL="400050">
+              <a:buNone/>
+            </a:pPr>
             <a:r>
               <a:rPr lang="en-US" altLang="ko-KR" dirty="0" smtClean="0">
                 <a:solidFill>
@@ -4635,177 +4736,130 @@
               </a:rPr>
               <a:t> </a:t>
             </a:r>
+            <a:r>
+              <a:rPr lang="en-US" altLang="ko-KR" sz="2400" dirty="0" smtClean="0">
+                <a:solidFill>
+                  <a:srgbClr val="000000"/>
+                </a:solidFill>
+                <a:latin typeface="HY동녘M" pitchFamily="18" charset="-127"/>
+                <a:ea typeface="HY동녘M" pitchFamily="18" charset="-127"/>
+              </a:rPr>
+              <a:t>- USB/IP</a:t>
+            </a:r>
+            <a:r>
+              <a:rPr lang="ko-KR" altLang="en-US" sz="2400" dirty="0" smtClean="0">
+                <a:solidFill>
+                  <a:srgbClr val="000000"/>
+                </a:solidFill>
+                <a:latin typeface="HY동녘M" pitchFamily="18" charset="-127"/>
+                <a:ea typeface="HY동녘M" pitchFamily="18" charset="-127"/>
+              </a:rPr>
+              <a:t>의 소스를 수정하여 </a:t>
+            </a:r>
+            <a:r>
+              <a:rPr lang="ko-KR" altLang="en-US" sz="2400" dirty="0" smtClean="0">
+                <a:solidFill>
+                  <a:srgbClr val="000000"/>
+                </a:solidFill>
+                <a:latin typeface="HY동녘M" pitchFamily="18" charset="-127"/>
+                <a:ea typeface="HY동녘M" pitchFamily="18" charset="-127"/>
+              </a:rPr>
+              <a:t>임의의 마우스 정보</a:t>
+            </a:r>
+            <a:r>
+              <a:rPr lang="en-US" altLang="ko-KR" sz="2400" dirty="0" smtClean="0">
+                <a:solidFill>
+                  <a:srgbClr val="000000"/>
+                </a:solidFill>
+                <a:latin typeface="HY동녘M" pitchFamily="18" charset="-127"/>
+                <a:ea typeface="HY동녘M" pitchFamily="18" charset="-127"/>
+              </a:rPr>
+              <a:t>(</a:t>
+            </a:r>
+            <a:r>
+              <a:rPr lang="ko-KR" altLang="en-US" sz="2400" dirty="0" err="1" smtClean="0">
+                <a:solidFill>
+                  <a:srgbClr val="000000"/>
+                </a:solidFill>
+                <a:latin typeface="HY동녘M" pitchFamily="18" charset="-127"/>
+                <a:ea typeface="HY동녘M" pitchFamily="18" charset="-127"/>
+              </a:rPr>
+              <a:t>디스크립터</a:t>
+            </a:r>
+            <a:r>
+              <a:rPr lang="en-US" altLang="ko-KR" sz="2400" dirty="0" smtClean="0">
+                <a:solidFill>
+                  <a:srgbClr val="000000"/>
+                </a:solidFill>
+                <a:latin typeface="HY동녘M" pitchFamily="18" charset="-127"/>
+                <a:ea typeface="HY동녘M" pitchFamily="18" charset="-127"/>
+              </a:rPr>
+              <a:t>, </a:t>
+            </a:r>
+            <a:r>
+              <a:rPr lang="ko-KR" altLang="en-US" sz="2400" dirty="0" smtClean="0">
+                <a:solidFill>
+                  <a:srgbClr val="000000"/>
+                </a:solidFill>
+                <a:latin typeface="HY동녘M" pitchFamily="18" charset="-127"/>
+                <a:ea typeface="HY동녘M" pitchFamily="18" charset="-127"/>
+              </a:rPr>
+              <a:t>속도 등등</a:t>
+            </a:r>
+            <a:r>
+              <a:rPr lang="en-US" altLang="ko-KR" sz="2400" dirty="0" smtClean="0">
+                <a:solidFill>
+                  <a:srgbClr val="000000"/>
+                </a:solidFill>
+                <a:latin typeface="HY동녘M" pitchFamily="18" charset="-127"/>
+                <a:ea typeface="HY동녘M" pitchFamily="18" charset="-127"/>
+              </a:rPr>
+              <a:t>)</a:t>
+            </a:r>
+            <a:r>
+              <a:rPr lang="ko-KR" altLang="en-US" sz="2400" dirty="0" smtClean="0">
+                <a:solidFill>
+                  <a:srgbClr val="000000"/>
+                </a:solidFill>
+                <a:latin typeface="HY동녘M" pitchFamily="18" charset="-127"/>
+                <a:ea typeface="HY동녘M" pitchFamily="18" charset="-127"/>
+              </a:rPr>
+              <a:t>를 하드코딩 하여 </a:t>
+            </a:r>
+            <a:r>
+              <a:rPr lang="en-US" altLang="ko-KR" sz="2400" dirty="0" smtClean="0">
+                <a:solidFill>
+                  <a:srgbClr val="000000"/>
+                </a:solidFill>
+                <a:latin typeface="HY동녘M" pitchFamily="18" charset="-127"/>
+                <a:ea typeface="HY동녘M" pitchFamily="18" charset="-127"/>
+              </a:rPr>
+              <a:t>USB/IP </a:t>
+            </a:r>
+            <a:r>
+              <a:rPr lang="ko-KR" altLang="en-US" sz="2400" dirty="0" smtClean="0">
+                <a:solidFill>
+                  <a:srgbClr val="000000"/>
+                </a:solidFill>
+                <a:latin typeface="HY동녘M" pitchFamily="18" charset="-127"/>
+                <a:ea typeface="HY동녘M" pitchFamily="18" charset="-127"/>
+              </a:rPr>
+              <a:t>프로그램에서 인식이 가능하도록 수정 중</a:t>
+            </a:r>
+            <a:r>
+              <a:rPr lang="en-US" altLang="ko-KR" sz="2400" dirty="0" smtClean="0">
+                <a:solidFill>
+                  <a:srgbClr val="000000"/>
+                </a:solidFill>
+                <a:latin typeface="HY동녘M" pitchFamily="18" charset="-127"/>
+                <a:ea typeface="HY동녘M" pitchFamily="18" charset="-127"/>
+              </a:rPr>
+              <a:t>.</a:t>
+            </a:r>
           </a:p>
           <a:p>
             <a:pPr marL="400050">
-              <a:buFontTx/>
-              <a:buChar char="-"/>
-            </a:pPr>
-            <a:r>
-              <a:rPr lang="ko-KR" altLang="en-US" sz="2400" dirty="0" smtClean="0">
-                <a:solidFill>
-                  <a:srgbClr val="000000"/>
-                </a:solidFill>
-                <a:latin typeface="HY동녘M" pitchFamily="18" charset="-127"/>
-                <a:ea typeface="HY동녘M" pitchFamily="18" charset="-127"/>
-              </a:rPr>
-              <a:t>마우스 </a:t>
-            </a:r>
-            <a:r>
-              <a:rPr lang="ko-KR" altLang="en-US" sz="2400" dirty="0" err="1" smtClean="0">
-                <a:solidFill>
-                  <a:srgbClr val="000000"/>
-                </a:solidFill>
-                <a:latin typeface="HY동녘M" pitchFamily="18" charset="-127"/>
-                <a:ea typeface="HY동녘M" pitchFamily="18" charset="-127"/>
-              </a:rPr>
-              <a:t>앱을</a:t>
-            </a:r>
-            <a:r>
-              <a:rPr lang="ko-KR" altLang="en-US" sz="2400" dirty="0" smtClean="0">
-                <a:solidFill>
-                  <a:srgbClr val="000000"/>
-                </a:solidFill>
-                <a:latin typeface="HY동녘M" pitchFamily="18" charset="-127"/>
-                <a:ea typeface="HY동녘M" pitchFamily="18" charset="-127"/>
-              </a:rPr>
-              <a:t> </a:t>
-            </a:r>
-            <a:r>
-              <a:rPr lang="ko-KR" altLang="en-US" sz="2400" dirty="0" err="1" smtClean="0">
-                <a:solidFill>
-                  <a:srgbClr val="000000"/>
-                </a:solidFill>
-                <a:latin typeface="HY동녘M" pitchFamily="18" charset="-127"/>
-                <a:ea typeface="HY동녘M" pitchFamily="18" charset="-127"/>
-              </a:rPr>
-              <a:t>안드로이드에</a:t>
-            </a:r>
-            <a:r>
-              <a:rPr lang="ko-KR" altLang="en-US" sz="2400" dirty="0" smtClean="0">
-                <a:solidFill>
-                  <a:srgbClr val="000000"/>
-                </a:solidFill>
-                <a:latin typeface="HY동녘M" pitchFamily="18" charset="-127"/>
-                <a:ea typeface="HY동녘M" pitchFamily="18" charset="-127"/>
-              </a:rPr>
-              <a:t> </a:t>
-            </a:r>
-            <a:r>
-              <a:rPr lang="en-US" altLang="ko-KR" sz="2400" dirty="0" smtClean="0">
-                <a:solidFill>
-                  <a:srgbClr val="000000"/>
-                </a:solidFill>
-                <a:latin typeface="HY동녘M" pitchFamily="18" charset="-127"/>
-                <a:ea typeface="HY동녘M" pitchFamily="18" charset="-127"/>
-              </a:rPr>
-              <a:t>USB </a:t>
-            </a:r>
-            <a:r>
-              <a:rPr lang="ko-KR" altLang="en-US" sz="2400" dirty="0" smtClean="0">
-                <a:solidFill>
-                  <a:srgbClr val="000000"/>
-                </a:solidFill>
-                <a:latin typeface="HY동녘M" pitchFamily="18" charset="-127"/>
-                <a:ea typeface="HY동녘M" pitchFamily="18" charset="-127"/>
-              </a:rPr>
-              <a:t>장치로 </a:t>
-            </a:r>
-            <a:r>
-              <a:rPr lang="en-US" altLang="ko-KR" sz="2400" dirty="0" smtClean="0">
-                <a:solidFill>
-                  <a:srgbClr val="000000"/>
-                </a:solidFill>
-                <a:latin typeface="HY동녘M" pitchFamily="18" charset="-127"/>
-                <a:ea typeface="HY동녘M" pitchFamily="18" charset="-127"/>
-              </a:rPr>
-              <a:t>import </a:t>
-            </a:r>
-            <a:r>
-              <a:rPr lang="ko-KR" altLang="en-US" sz="2400" dirty="0" smtClean="0">
-                <a:solidFill>
-                  <a:srgbClr val="000000"/>
-                </a:solidFill>
-                <a:latin typeface="HY동녘M" pitchFamily="18" charset="-127"/>
-                <a:ea typeface="HY동녘M" pitchFamily="18" charset="-127"/>
-              </a:rPr>
-              <a:t>한 후에 </a:t>
-            </a:r>
-            <a:r>
-              <a:rPr lang="en-US" altLang="ko-KR" sz="2400" dirty="0" smtClean="0">
-                <a:solidFill>
-                  <a:srgbClr val="000000"/>
-                </a:solidFill>
-                <a:latin typeface="HY동녘M" pitchFamily="18" charset="-127"/>
-                <a:ea typeface="HY동녘M" pitchFamily="18" charset="-127"/>
-              </a:rPr>
-              <a:t>export – bind </a:t>
-            </a:r>
-            <a:r>
-              <a:rPr lang="ko-KR" altLang="en-US" sz="2400" dirty="0" smtClean="0">
-                <a:solidFill>
-                  <a:srgbClr val="000000"/>
-                </a:solidFill>
-                <a:latin typeface="HY동녘M" pitchFamily="18" charset="-127"/>
-                <a:ea typeface="HY동녘M" pitchFamily="18" charset="-127"/>
-              </a:rPr>
-              <a:t>하려던 것에서 바로 </a:t>
-            </a:r>
-            <a:r>
-              <a:rPr lang="en-US" altLang="ko-KR" sz="2400" dirty="0" smtClean="0">
-                <a:solidFill>
-                  <a:srgbClr val="000000"/>
-                </a:solidFill>
-                <a:latin typeface="HY동녘M" pitchFamily="18" charset="-127"/>
-                <a:ea typeface="HY동녘M" pitchFamily="18" charset="-127"/>
-              </a:rPr>
-              <a:t>Stub-driver</a:t>
-            </a:r>
-            <a:r>
-              <a:rPr lang="ko-KR" altLang="en-US" sz="2400" dirty="0" smtClean="0">
-                <a:solidFill>
-                  <a:srgbClr val="000000"/>
-                </a:solidFill>
-                <a:latin typeface="HY동녘M" pitchFamily="18" charset="-127"/>
-                <a:ea typeface="HY동녘M" pitchFamily="18" charset="-127"/>
-              </a:rPr>
-              <a:t>에서 직접 </a:t>
-            </a:r>
-            <a:r>
-              <a:rPr lang="en-US" altLang="ko-KR" sz="2400" dirty="0" smtClean="0">
-                <a:solidFill>
-                  <a:srgbClr val="000000"/>
-                </a:solidFill>
-                <a:latin typeface="HY동녘M" pitchFamily="18" charset="-127"/>
-                <a:ea typeface="HY동녘M" pitchFamily="18" charset="-127"/>
-              </a:rPr>
-              <a:t>USB</a:t>
-            </a:r>
-            <a:r>
-              <a:rPr lang="ko-KR" altLang="en-US" sz="2400" dirty="0" smtClean="0">
-                <a:solidFill>
-                  <a:srgbClr val="000000"/>
-                </a:solidFill>
-                <a:latin typeface="HY동녘M" pitchFamily="18" charset="-127"/>
-                <a:ea typeface="HY동녘M" pitchFamily="18" charset="-127"/>
-              </a:rPr>
-              <a:t>마우스 정보를 넘기는 것으로 방향을 바꿈</a:t>
-            </a:r>
-            <a:r>
-              <a:rPr lang="en-US" altLang="ko-KR" sz="2400" dirty="0" smtClean="0">
-                <a:solidFill>
-                  <a:srgbClr val="000000"/>
-                </a:solidFill>
-                <a:latin typeface="HY동녘M" pitchFamily="18" charset="-127"/>
-                <a:ea typeface="HY동녘M" pitchFamily="18" charset="-127"/>
-              </a:rPr>
-              <a:t>.</a:t>
-            </a:r>
-          </a:p>
-          <a:p>
-            <a:pPr marL="400050">
-              <a:buFontTx/>
-              <a:buChar char="-"/>
+              <a:buNone/>
             </a:pPr>
             <a:endParaRPr lang="en-US" altLang="ko-KR" sz="2400" dirty="0" smtClean="0">
               <a:solidFill>
@@ -4821,16 +4875,6 @@
               <a:buChar char="-"/>
             </a:pPr>
             <a:r>
-              <a:rPr lang="en-US" altLang="ko-KR" sz="2400" dirty="0" smtClean="0">
-                <a:solidFill>
-                  <a:srgbClr val="000000"/>
-                </a:solidFill>
-                <a:latin typeface="HY동녘M" pitchFamily="18" charset="-127"/>
-                <a:ea typeface="HY동녘M" pitchFamily="18" charset="-127"/>
-              </a:rPr>
-              <a:t>USB </a:t>
-            </a:r>
-            <a:r>
               <a:rPr lang="ko-KR" altLang="en-US" sz="2400" dirty="0" smtClean="0">
                 <a:solidFill>
                   <a:srgbClr val="000000"/>
@@ -4838,157 +4882,7 @@
                 <a:latin typeface="HY동녘M" pitchFamily="18" charset="-127"/>
                 <a:ea typeface="HY동녘M" pitchFamily="18" charset="-127"/>
               </a:rPr>
-              <a:t>마우스정보</a:t>
-            </a:r>
-            <a:r>
-              <a:rPr lang="en-US" altLang="ko-KR" sz="2400" dirty="0" smtClean="0">
-                <a:solidFill>
-                  <a:srgbClr val="000000"/>
-                </a:solidFill>
-                <a:latin typeface="HY동녘M" pitchFamily="18" charset="-127"/>
-                <a:ea typeface="HY동녘M" pitchFamily="18" charset="-127"/>
-              </a:rPr>
-              <a:t>(</a:t>
-            </a:r>
-            <a:r>
-              <a:rPr lang="ko-KR" altLang="en-US" sz="2400" dirty="0" err="1" smtClean="0">
-                <a:solidFill>
-                  <a:srgbClr val="000000"/>
-                </a:solidFill>
-                <a:latin typeface="HY동녘M" pitchFamily="18" charset="-127"/>
-                <a:ea typeface="HY동녘M" pitchFamily="18" charset="-127"/>
-              </a:rPr>
-              <a:t>디스크립터</a:t>
-            </a:r>
-            <a:r>
-              <a:rPr lang="en-US" altLang="ko-KR" sz="2400" dirty="0" smtClean="0">
-                <a:solidFill>
-                  <a:srgbClr val="000000"/>
-                </a:solidFill>
-                <a:latin typeface="HY동녘M" pitchFamily="18" charset="-127"/>
-                <a:ea typeface="HY동녘M" pitchFamily="18" charset="-127"/>
-              </a:rPr>
-              <a:t>, </a:t>
-            </a:r>
-            <a:r>
-              <a:rPr lang="ko-KR" altLang="en-US" sz="2400" dirty="0" smtClean="0">
-                <a:solidFill>
-                  <a:srgbClr val="000000"/>
-                </a:solidFill>
-                <a:latin typeface="HY동녘M" pitchFamily="18" charset="-127"/>
-                <a:ea typeface="HY동녘M" pitchFamily="18" charset="-127"/>
-              </a:rPr>
-              <a:t>속도 </a:t>
-            </a:r>
-            <a:r>
-              <a:rPr lang="ko-KR" altLang="en-US" sz="2400" dirty="0" smtClean="0">
-                <a:solidFill>
-                  <a:srgbClr val="000000"/>
-                </a:solidFill>
-                <a:latin typeface="HY동녘M" pitchFamily="18" charset="-127"/>
-                <a:ea typeface="HY동녘M" pitchFamily="18" charset="-127"/>
-              </a:rPr>
-              <a:t>등</a:t>
-            </a:r>
-            <a:r>
-              <a:rPr lang="en-US" altLang="ko-KR" sz="2400" dirty="0" smtClean="0">
-                <a:solidFill>
-                  <a:srgbClr val="000000"/>
-                </a:solidFill>
-                <a:latin typeface="HY동녘M" pitchFamily="18" charset="-127"/>
-                <a:ea typeface="HY동녘M" pitchFamily="18" charset="-127"/>
-              </a:rPr>
-              <a:t>)</a:t>
-            </a:r>
-            <a:r>
-              <a:rPr lang="ko-KR" altLang="en-US" sz="2400" dirty="0" smtClean="0">
-                <a:solidFill>
-                  <a:srgbClr val="000000"/>
-                </a:solidFill>
-                <a:latin typeface="HY동녘M" pitchFamily="18" charset="-127"/>
-                <a:ea typeface="HY동녘M" pitchFamily="18" charset="-127"/>
-              </a:rPr>
-              <a:t>를 </a:t>
-            </a:r>
-            <a:r>
-              <a:rPr lang="ko-KR" altLang="en-US" sz="2400" dirty="0" smtClean="0">
-                <a:solidFill>
-                  <a:srgbClr val="000000"/>
-                </a:solidFill>
-                <a:latin typeface="HY동녘M" pitchFamily="18" charset="-127"/>
-                <a:ea typeface="HY동녘M" pitchFamily="18" charset="-127"/>
-              </a:rPr>
-              <a:t>하드코딩 하여 </a:t>
-            </a:r>
-            <a:r>
-              <a:rPr lang="en-US" altLang="ko-KR" sz="2400" dirty="0" smtClean="0">
-                <a:solidFill>
-                  <a:srgbClr val="000000"/>
-                </a:solidFill>
-                <a:latin typeface="HY동녘M" pitchFamily="18" charset="-127"/>
-                <a:ea typeface="HY동녘M" pitchFamily="18" charset="-127"/>
-              </a:rPr>
-              <a:t>USB/IP </a:t>
-            </a:r>
-            <a:r>
-              <a:rPr lang="ko-KR" altLang="en-US" sz="2400" dirty="0" smtClean="0">
-                <a:solidFill>
-                  <a:srgbClr val="000000"/>
-                </a:solidFill>
-                <a:latin typeface="HY동녘M" pitchFamily="18" charset="-127"/>
-                <a:ea typeface="HY동녘M" pitchFamily="18" charset="-127"/>
-              </a:rPr>
-              <a:t>프로그램에서 인식이 가능하도록 </a:t>
-            </a:r>
-            <a:r>
-              <a:rPr lang="ko-KR" altLang="en-US" sz="2400" dirty="0" smtClean="0">
-                <a:solidFill>
-                  <a:srgbClr val="000000"/>
-                </a:solidFill>
-                <a:latin typeface="HY동녘M" pitchFamily="18" charset="-127"/>
-                <a:ea typeface="HY동녘M" pitchFamily="18" charset="-127"/>
-              </a:rPr>
-              <a:t>하는 과정에서 다른 정보들은 추출이 쉬운 반면 </a:t>
-            </a:r>
-            <a:r>
-              <a:rPr lang="ko-KR" altLang="en-US" sz="2400" dirty="0" err="1" smtClean="0">
-                <a:solidFill>
-                  <a:srgbClr val="000000"/>
-                </a:solidFill>
-                <a:latin typeface="HY동녘M" pitchFamily="18" charset="-127"/>
-                <a:ea typeface="HY동녘M" pitchFamily="18" charset="-127"/>
-              </a:rPr>
-              <a:t>디스크립터</a:t>
-            </a:r>
-            <a:r>
-              <a:rPr lang="ko-KR" altLang="en-US" sz="2400" dirty="0" smtClean="0">
-                <a:solidFill>
-                  <a:srgbClr val="000000"/>
-                </a:solidFill>
-                <a:latin typeface="HY동녘M" pitchFamily="18" charset="-127"/>
-                <a:ea typeface="HY동녘M" pitchFamily="18" charset="-127"/>
-              </a:rPr>
-              <a:t> 입력된 내용이 복잡해서 </a:t>
-            </a:r>
-            <a:r>
-              <a:rPr lang="en-US" altLang="ko-KR" sz="2400" dirty="0" smtClean="0">
-                <a:solidFill>
-                  <a:srgbClr val="000000"/>
-                </a:solidFill>
-                <a:latin typeface="HY동녘M" pitchFamily="18" charset="-127"/>
-                <a:ea typeface="HY동녘M" pitchFamily="18" charset="-127"/>
-              </a:rPr>
-              <a:t>bind </a:t>
-            </a:r>
-            <a:r>
-              <a:rPr lang="ko-KR" altLang="en-US" sz="2400" dirty="0" smtClean="0">
-                <a:solidFill>
-                  <a:srgbClr val="000000"/>
-                </a:solidFill>
-                <a:latin typeface="HY동녘M" pitchFamily="18" charset="-127"/>
-                <a:ea typeface="HY동녘M" pitchFamily="18" charset="-127"/>
-              </a:rPr>
-              <a:t>하는 것으로 다시 시도</a:t>
+              <a:t>문제점</a:t>
             </a:r>
             <a:endParaRPr lang="en-US" altLang="ko-KR" sz="2400" dirty="0" smtClean="0">
               <a:solidFill>
@@ -4998,12 +4892,44 @@
               <a:ea typeface="HY동녘M" pitchFamily="18" charset="-127"/>
             </a:endParaRPr>
           </a:p>
+          <a:p>
+            <a:pPr marL="400050">
+              <a:buNone/>
+            </a:pPr>
+            <a:r>
+              <a:rPr lang="en-US" altLang="ko-KR" sz="2400" dirty="0" smtClean="0">
+                <a:solidFill>
+                  <a:srgbClr val="000000"/>
+                </a:solidFill>
+                <a:latin typeface="HY동녘M" pitchFamily="18" charset="-127"/>
+                <a:ea typeface="HY동녘M" pitchFamily="18" charset="-127"/>
+              </a:rPr>
+              <a:t> </a:t>
+            </a:r>
+            <a:r>
+              <a:rPr lang="en-US" altLang="ko-KR" sz="2400" dirty="0" smtClean="0">
+                <a:solidFill>
+                  <a:srgbClr val="000000"/>
+                </a:solidFill>
+                <a:latin typeface="HY동녘M" pitchFamily="18" charset="-127"/>
+                <a:ea typeface="HY동녘M" pitchFamily="18" charset="-127"/>
+              </a:rPr>
+              <a:t>  </a:t>
+            </a:r>
+            <a:endParaRPr lang="en-US" altLang="ko-KR" sz="2400" dirty="0" smtClean="0">
+              <a:solidFill>
+                <a:srgbClr val="000000"/>
+              </a:solidFill>
+              <a:latin typeface="HY동녘M" pitchFamily="18" charset="-127"/>
+              <a:ea typeface="HY동녘M" pitchFamily="18" charset="-127"/>
+            </a:endParaRPr>
+          </a:p>
         </p:txBody>
       </p:sp>
     </p:spTree>
     <p:extLst>
       <p:ext uri="{BB962C8B-B14F-4D97-AF65-F5344CB8AC3E}">
-        <p14:creationId xmlns="" xmlns:p14="http://schemas.microsoft.com/office/powerpoint/2010/main" val="3723977454"/>
+        <p14:creationId xmlns:p14="http://schemas.microsoft.com/office/powerpoint/2010/main" xmlns="" val="3723977454"/>
       </p:ext>
     </p:extLst>
   </p:cSld>
@@ -5061,7 +4987,27 @@
                 <a:latin typeface="HY동녘M" pitchFamily="18" charset="-127"/>
                 <a:ea typeface="HY동녘M" pitchFamily="18" charset="-127"/>
               </a:rPr>
-              <a:t>프로젝트 진행상황</a:t>
+              <a:t>프로젝트 </a:t>
+            </a:r>
+            <a:r>
+              <a:rPr lang="ko-KR" altLang="en-US" sz="5400" spc="600" dirty="0" smtClean="0">
+                <a:solidFill>
+                  <a:srgbClr val="000000"/>
+                </a:solidFill>
+                <a:latin typeface="HY동녘M" pitchFamily="18" charset="-127"/>
+                <a:ea typeface="HY동녘M" pitchFamily="18" charset="-127"/>
+              </a:rPr>
+              <a:t>진행상</a:t>
+            </a:r>
+            <a:r>
+              <a:rPr lang="ko-KR" altLang="en-US" sz="5400" spc="600" dirty="0" smtClean="0">
+                <a:solidFill>
+                  <a:srgbClr val="000000"/>
+                </a:solidFill>
+                <a:latin typeface="HY동녘M" pitchFamily="18" charset="-127"/>
+                <a:ea typeface="HY동녘M" pitchFamily="18" charset="-127"/>
+              </a:rPr>
+              <a:t>황</a:t>
             </a:r>
             <a:endParaRPr lang="ko-KR" altLang="en-US" sz="5400" dirty="0">
               <a:solidFill>
@@ -5121,8 +5067,7 @@
           </a:p>
           <a:p>
             <a:pPr marL="400050">
-              <a:buFontTx/>
-              <a:buChar char="-"/>
+              <a:buNone/>
             </a:pPr>
             <a:r>
               <a:rPr lang="en-US" altLang="ko-KR" sz="2400" dirty="0" smtClean="0">
@@ -5132,7 +5077,7 @@
                 <a:latin typeface="HY동녘M" pitchFamily="18" charset="-127"/>
                 <a:ea typeface="HY동녘M" pitchFamily="18" charset="-127"/>
               </a:rPr>
-              <a:t>Glib</a:t>
+              <a:t>- USB/IP</a:t>
             </a:r>
             <a:r>
               <a:rPr lang="ko-KR" altLang="en-US" sz="2400" dirty="0" smtClean="0">
@@ -5142,20 +5087,18 @@
                 <a:latin typeface="HY동녘M" pitchFamily="18" charset="-127"/>
                 <a:ea typeface="HY동녘M" pitchFamily="18" charset="-127"/>
               </a:rPr>
-              <a:t>에 의존적인 코드들을 옮기다가</a:t>
-            </a:r>
-            <a:endParaRPr lang="en-US" altLang="ko-KR" sz="2400" dirty="0" smtClean="0">
-              <a:solidFill>
-                <a:srgbClr val="000000"/>
-              </a:solidFill>
-              <a:latin typeface="HY동녘M" pitchFamily="18" charset="-127"/>
-              <a:ea typeface="HY동녘M" pitchFamily="18" charset="-127"/>
-            </a:endParaRPr>
-          </a:p>
-          <a:p>
-            <a:pPr marL="400050">
-              <a:buNone/>
-            </a:pPr>
+              <a:t>의 소스를 수정하여 </a:t>
+            </a:r>
+            <a:r>
+              <a:rPr lang="ko-KR" altLang="en-US" sz="2400" dirty="0" smtClean="0">
+                <a:solidFill>
+                  <a:srgbClr val="000000"/>
+                </a:solidFill>
+                <a:latin typeface="HY동녘M" pitchFamily="18" charset="-127"/>
+                <a:ea typeface="HY동녘M" pitchFamily="18" charset="-127"/>
+              </a:rPr>
+              <a:t>임의의 마우스 정보</a:t>
+            </a:r>
             <a:r>
               <a:rPr lang="en-US" altLang="ko-KR" sz="2400" dirty="0" smtClean="0">
                 <a:solidFill>
@@ -5164,17 +5107,27 @@
                 <a:latin typeface="HY동녘M" pitchFamily="18" charset="-127"/>
                 <a:ea typeface="HY동녘M" pitchFamily="18" charset="-127"/>
               </a:rPr>
-              <a:t>	</a:t>
-            </a:r>
-            <a:r>
-              <a:rPr lang="en-US" altLang="ko-KR" sz="2400" dirty="0" err="1" smtClean="0">
-                <a:solidFill>
-                  <a:srgbClr val="000000"/>
-                </a:solidFill>
-                <a:latin typeface="HY동녘M" pitchFamily="18" charset="-127"/>
-                <a:ea typeface="HY동녘M" pitchFamily="18" charset="-127"/>
-              </a:rPr>
-              <a:t>bluetooth</a:t>
+              <a:t>(</a:t>
+            </a:r>
+            <a:r>
+              <a:rPr lang="ko-KR" altLang="en-US" sz="2400" dirty="0" err="1" smtClean="0">
+                <a:solidFill>
+                  <a:srgbClr val="000000"/>
+                </a:solidFill>
+                <a:latin typeface="HY동녘M" pitchFamily="18" charset="-127"/>
+                <a:ea typeface="HY동녘M" pitchFamily="18" charset="-127"/>
+              </a:rPr>
+              <a:t>디스크립터</a:t>
+            </a:r>
+            <a:r>
+              <a:rPr lang="en-US" altLang="ko-KR" sz="2400" dirty="0" smtClean="0">
+                <a:solidFill>
+                  <a:srgbClr val="000000"/>
+                </a:solidFill>
+                <a:latin typeface="HY동녘M" pitchFamily="18" charset="-127"/>
+                <a:ea typeface="HY동녘M" pitchFamily="18" charset="-127"/>
+              </a:rPr>
+              <a:t>, </a:t>
             </a:r>
             <a:r>
               <a:rPr lang="ko-KR" altLang="en-US" sz="2400" dirty="0" smtClean="0">
@@ -5184,7 +5137,7 @@
                 <a:latin typeface="HY동녘M" pitchFamily="18" charset="-127"/>
                 <a:ea typeface="HY동녘M" pitchFamily="18" charset="-127"/>
               </a:rPr>
-              <a:t>에서 </a:t>
+              <a:t>속도 등등</a:t>
             </a:r>
             <a:r>
               <a:rPr lang="en-US" altLang="ko-KR" sz="2400" dirty="0" smtClean="0">
@@ -5194,7 +5147,7 @@
                 <a:latin typeface="HY동녘M" pitchFamily="18" charset="-127"/>
                 <a:ea typeface="HY동녘M" pitchFamily="18" charset="-127"/>
               </a:rPr>
-              <a:t>Glib</a:t>
+              <a:t>)</a:t>
             </a:r>
             <a:r>
               <a:rPr lang="ko-KR" altLang="en-US" sz="2400" dirty="0" smtClean="0">
@@ -5204,20 +5157,8 @@
                 <a:latin typeface="HY동녘M" pitchFamily="18" charset="-127"/>
                 <a:ea typeface="HY동녘M" pitchFamily="18" charset="-127"/>
               </a:rPr>
-              <a:t>을 사용하는것이 발견되어</a:t>
-            </a:r>
-            <a:endParaRPr lang="en-US" altLang="ko-KR" sz="2400" dirty="0" smtClean="0">
-              <a:solidFill>
-                <a:srgbClr val="000000"/>
-              </a:solidFill>
-              <a:latin typeface="HY동녘M" pitchFamily="18" charset="-127"/>
-              <a:ea typeface="HY동녘M" pitchFamily="18" charset="-127"/>
-            </a:endParaRPr>
-          </a:p>
-          <a:p>
-            <a:pPr marL="400050">
-              <a:buNone/>
-            </a:pPr>
+              <a:t>를 하드코딩 하여 </a:t>
+            </a:r>
             <a:r>
               <a:rPr lang="en-US" altLang="ko-KR" sz="2400" dirty="0" smtClean="0">
                 <a:solidFill>
@@ -5226,7 +5167,7 @@
                 <a:latin typeface="HY동녘M" pitchFamily="18" charset="-127"/>
                 <a:ea typeface="HY동녘M" pitchFamily="18" charset="-127"/>
               </a:rPr>
-              <a:t>	android.mk</a:t>
+              <a:t>USB/IP </a:t>
             </a:r>
             <a:r>
               <a:rPr lang="ko-KR" altLang="en-US" sz="2400" dirty="0" smtClean="0">
@@ -5236,25 +5177,18 @@
                 <a:latin typeface="HY동녘M" pitchFamily="18" charset="-127"/>
                 <a:ea typeface="HY동녘M" pitchFamily="18" charset="-127"/>
               </a:rPr>
-              <a:t>를 분석하여 사용할 수 있는지 </a:t>
-            </a:r>
-            <a:r>
-              <a:rPr lang="ko-KR" altLang="en-US" sz="2400" dirty="0" err="1" smtClean="0">
-                <a:solidFill>
-                  <a:srgbClr val="000000"/>
-                </a:solidFill>
-                <a:latin typeface="HY동녘M" pitchFamily="18" charset="-127"/>
-                <a:ea typeface="HY동녘M" pitchFamily="18" charset="-127"/>
-              </a:rPr>
-              <a:t>파악중</a:t>
-            </a:r>
-            <a:endParaRPr lang="en-US" altLang="ko-KR" sz="2400" dirty="0" smtClean="0">
-              <a:solidFill>
-                <a:srgbClr val="000000"/>
-              </a:solidFill>
-              <a:latin typeface="HY동녘M" pitchFamily="18" charset="-127"/>
-              <a:ea typeface="HY동녘M" pitchFamily="18" charset="-127"/>
-            </a:endParaRPr>
+              <a:t>프로그램에서 인식이 가능하도록 수정 중</a:t>
+            </a:r>
+            <a:r>
+              <a:rPr lang="en-US" altLang="ko-KR" sz="2400" dirty="0" smtClean="0">
+                <a:solidFill>
+                  <a:srgbClr val="000000"/>
+                </a:solidFill>
+                <a:latin typeface="HY동녘M" pitchFamily="18" charset="-127"/>
+                <a:ea typeface="HY동녘M" pitchFamily="18" charset="-127"/>
+              </a:rPr>
+              <a:t>.</a:t>
+            </a:r>
           </a:p>
           <a:p>
             <a:pPr marL="400050">
@@ -5268,12 +5202,67 @@
               <a:ea typeface="HY동녘M" pitchFamily="18" charset="-127"/>
             </a:endParaRPr>
           </a:p>
+          <a:p>
+            <a:pPr marL="400050">
+              <a:buFontTx/>
+              <a:buChar char="-"/>
+            </a:pPr>
+            <a:r>
+              <a:rPr lang="ko-KR" altLang="en-US" sz="2400" dirty="0" smtClean="0">
+                <a:solidFill>
+                  <a:srgbClr val="000000"/>
+                </a:solidFill>
+                <a:latin typeface="HY동녘M" pitchFamily="18" charset="-127"/>
+                <a:ea typeface="HY동녘M" pitchFamily="18" charset="-127"/>
+              </a:rPr>
+              <a:t>문제점</a:t>
+            </a:r>
+            <a:endParaRPr lang="en-US" altLang="ko-KR" sz="2400" dirty="0" smtClean="0">
+              <a:solidFill>
+                <a:srgbClr val="000000"/>
+              </a:solidFill>
+              <a:latin typeface="HY동녘M" pitchFamily="18" charset="-127"/>
+              <a:ea typeface="HY동녘M" pitchFamily="18" charset="-127"/>
+            </a:endParaRPr>
+          </a:p>
+          <a:p>
+            <a:pPr marL="400050">
+              <a:buNone/>
+            </a:pPr>
+            <a:r>
+              <a:rPr lang="en-US" altLang="ko-KR" sz="2400" dirty="0" smtClean="0">
+                <a:solidFill>
+                  <a:srgbClr val="000000"/>
+                </a:solidFill>
+                <a:latin typeface="HY동녘M" pitchFamily="18" charset="-127"/>
+                <a:ea typeface="HY동녘M" pitchFamily="18" charset="-127"/>
+              </a:rPr>
+              <a:t> </a:t>
+            </a:r>
+            <a:r>
+              <a:rPr lang="en-US" altLang="ko-KR" sz="2400" dirty="0" smtClean="0">
+                <a:solidFill>
+                  <a:srgbClr val="000000"/>
+                </a:solidFill>
+                <a:latin typeface="HY동녘M" pitchFamily="18" charset="-127"/>
+                <a:ea typeface="HY동녘M" pitchFamily="18" charset="-127"/>
+              </a:rPr>
+              <a:t>  </a:t>
+            </a:r>
+            <a:endParaRPr lang="en-US" altLang="ko-KR" sz="2400" dirty="0" smtClean="0">
+              <a:solidFill>
+                <a:srgbClr val="000000"/>
+              </a:solidFill>
+              <a:latin typeface="HY동녘M" pitchFamily="18" charset="-127"/>
+              <a:ea typeface="HY동녘M" pitchFamily="18" charset="-127"/>
+            </a:endParaRPr>
+          </a:p>
         </p:txBody>
       </p:sp>
     </p:spTree>
     <p:extLst>
       <p:ext uri="{BB962C8B-B14F-4D97-AF65-F5344CB8AC3E}">
-        <p14:creationId xmlns="" xmlns:p14="http://schemas.microsoft.com/office/powerpoint/2010/main" val="3723977454"/>
+        <p14:creationId xmlns:p14="http://schemas.microsoft.com/office/powerpoint/2010/main" xmlns="" val="3723977454"/>
       </p:ext>
     </p:extLst>
   </p:cSld>
@@ -5588,7 +5577,7 @@
         <a:effectLst/>
         <a:extLst>
           <a:ext uri="{91240B29-F687-4F45-9708-019B960494DF}">
-            <a14:hiddenLine xmlns="" xmlns:a14="http://schemas.microsoft.com/office/drawing/2010/main" w="9525" cap="flat" cmpd="sng" algn="ctr">
+            <a14:hiddenLine xmlns:a14="http://schemas.microsoft.com/office/drawing/2010/main" xmlns="" w="9525" cap="flat" cmpd="sng" algn="ctr">
               <a:solidFill>
                 <a:schemeClr val="tx1"/>
               </a:solidFill>
@@ -5599,7 +5588,7 @@
             </a14:hiddenLine>
           </a:ext>
           <a:ext uri="{AF507438-7753-43E0-B8FC-AC1667EBCBE1}">
-            <a14:hiddenEffects xmlns="" xmlns:a14="http://schemas.microsoft.com/office/drawing/2010/main">
+            <a14:hiddenEffects xmlns:a14="http://schemas.microsoft.com/office/drawing/2010/main" xmlns="">
               <a:effectLst>
                 <a:outerShdw dist="35921" dir="2700000" algn="ctr" rotWithShape="0">
                   <a:schemeClr val="bg2"/>
